--- a/STUDY_MATERIAL/Pushpendra_Sir/8Inner-classes.pptx
+++ b/STUDY_MATERIAL/Pushpendra_Sir/8Inner-classes.pptx
@@ -20,6 +20,12 @@
     <p:sldId id="318" r:id="rId14"/>
     <p:sldId id="306" r:id="rId15"/>
     <p:sldId id="307" r:id="rId16"/>
+    <p:sldId id="308" r:id="rId17"/>
+    <p:sldId id="309" r:id="rId18"/>
+    <p:sldId id="310" r:id="rId19"/>
+    <p:sldId id="311" r:id="rId20"/>
+    <p:sldId id="312" r:id="rId21"/>
+    <p:sldId id="313" r:id="rId22"/>
   </p:sldIdLst>
   <p:sldSz cx="12192000" cy="6858000"/>
   <p:notesSz cx="6858000" cy="9144000"/>
@@ -182,9 +188,10 @@
           </a:lstStyle>
           <a:p>
             <a:r>
-              <a:rPr lang="en-US" dirty="0"/>
+              <a:rPr lang="en-US" dirty="0" smtClean="0"/>
               <a:t>Click to edit Master title style</a:t>
             </a:r>
+            <a:endParaRPr lang="en-US" dirty="0"/>
           </a:p>
         </p:txBody>
       </p:sp>
@@ -246,9 +253,10 @@
           </a:lstStyle>
           <a:p>
             <a:r>
-              <a:rPr lang="en-US" dirty="0"/>
+              <a:rPr lang="en-US" dirty="0" smtClean="0"/>
               <a:t>Click to edit Master subtitle style</a:t>
             </a:r>
+            <a:endParaRPr lang="en-US" dirty="0"/>
           </a:p>
         </p:txBody>
       </p:sp>
@@ -269,7 +277,7 @@
           <a:p>
             <a:fld id="{25D7B8A9-97E8-4BD4-B78B-327908A95502}" type="datetimeFigureOut">
               <a:rPr lang="en-US" smtClean="0"/>
-              <a:t>10/15/2019</a:t>
+              <a:t>10/3/2019</a:t>
             </a:fld>
             <a:endParaRPr lang="en-US"/>
           </a:p>
@@ -363,9 +371,10 @@
           <a:lstStyle/>
           <a:p>
             <a:r>
-              <a:rPr lang="en-US"/>
+              <a:rPr lang="en-US" smtClean="0"/>
               <a:t>Click to edit Master title style</a:t>
             </a:r>
+            <a:endParaRPr lang="en-US"/>
           </a:p>
         </p:txBody>
       </p:sp>
@@ -386,37 +395,38 @@
           <a:p>
             <a:pPr lvl="0"/>
             <a:r>
-              <a:rPr lang="en-US"/>
+              <a:rPr lang="en-US" smtClean="0"/>
               <a:t>Edit Master text styles</a:t>
             </a:r>
           </a:p>
           <a:p>
             <a:pPr lvl="1"/>
             <a:r>
-              <a:rPr lang="en-US"/>
+              <a:rPr lang="en-US" smtClean="0"/>
               <a:t>Second level</a:t>
             </a:r>
           </a:p>
           <a:p>
             <a:pPr lvl="2"/>
             <a:r>
-              <a:rPr lang="en-US"/>
+              <a:rPr lang="en-US" smtClean="0"/>
               <a:t>Third level</a:t>
             </a:r>
           </a:p>
           <a:p>
             <a:pPr lvl="3"/>
             <a:r>
-              <a:rPr lang="en-US"/>
+              <a:rPr lang="en-US" smtClean="0"/>
               <a:t>Fourth level</a:t>
             </a:r>
           </a:p>
           <a:p>
             <a:pPr lvl="4"/>
             <a:r>
-              <a:rPr lang="en-US"/>
+              <a:rPr lang="en-US" smtClean="0"/>
               <a:t>Fifth level</a:t>
             </a:r>
+            <a:endParaRPr lang="en-US"/>
           </a:p>
         </p:txBody>
       </p:sp>
@@ -437,7 +447,7 @@
           <a:p>
             <a:fld id="{25D7B8A9-97E8-4BD4-B78B-327908A95502}" type="datetimeFigureOut">
               <a:rPr lang="en-US" smtClean="0"/>
-              <a:t>10/15/2019</a:t>
+              <a:t>10/3/2019</a:t>
             </a:fld>
             <a:endParaRPr lang="en-US"/>
           </a:p>
@@ -536,9 +546,10 @@
           <a:lstStyle/>
           <a:p>
             <a:r>
-              <a:rPr lang="en-US"/>
+              <a:rPr lang="en-US" smtClean="0"/>
               <a:t>Click to edit Master title style</a:t>
             </a:r>
+            <a:endParaRPr lang="en-US"/>
           </a:p>
         </p:txBody>
       </p:sp>
@@ -564,37 +575,38 @@
           <a:p>
             <a:pPr lvl="0"/>
             <a:r>
-              <a:rPr lang="en-US"/>
+              <a:rPr lang="en-US" smtClean="0"/>
               <a:t>Edit Master text styles</a:t>
             </a:r>
           </a:p>
           <a:p>
             <a:pPr lvl="1"/>
             <a:r>
-              <a:rPr lang="en-US"/>
+              <a:rPr lang="en-US" smtClean="0"/>
               <a:t>Second level</a:t>
             </a:r>
           </a:p>
           <a:p>
             <a:pPr lvl="2"/>
             <a:r>
-              <a:rPr lang="en-US"/>
+              <a:rPr lang="en-US" smtClean="0"/>
               <a:t>Third level</a:t>
             </a:r>
           </a:p>
           <a:p>
             <a:pPr lvl="3"/>
             <a:r>
-              <a:rPr lang="en-US"/>
+              <a:rPr lang="en-US" smtClean="0"/>
               <a:t>Fourth level</a:t>
             </a:r>
           </a:p>
           <a:p>
             <a:pPr lvl="4"/>
             <a:r>
-              <a:rPr lang="en-US"/>
+              <a:rPr lang="en-US" smtClean="0"/>
               <a:t>Fifth level</a:t>
             </a:r>
+            <a:endParaRPr lang="en-US"/>
           </a:p>
         </p:txBody>
       </p:sp>
@@ -615,7 +627,7 @@
           <a:p>
             <a:fld id="{25D7B8A9-97E8-4BD4-B78B-327908A95502}" type="datetimeFigureOut">
               <a:rPr lang="en-US" smtClean="0"/>
-              <a:t>10/15/2019</a:t>
+              <a:t>10/3/2019</a:t>
             </a:fld>
             <a:endParaRPr lang="en-US"/>
           </a:p>
@@ -709,9 +721,10 @@
           <a:lstStyle/>
           <a:p>
             <a:r>
-              <a:rPr lang="en-US"/>
+              <a:rPr lang="en-US" smtClean="0"/>
               <a:t>Click to edit Master title style</a:t>
             </a:r>
+            <a:endParaRPr lang="en-US"/>
           </a:p>
         </p:txBody>
       </p:sp>
@@ -732,37 +745,38 @@
           <a:p>
             <a:pPr lvl="0"/>
             <a:r>
-              <a:rPr lang="en-US"/>
+              <a:rPr lang="en-US" smtClean="0"/>
               <a:t>Edit Master text styles</a:t>
             </a:r>
           </a:p>
           <a:p>
             <a:pPr lvl="1"/>
             <a:r>
-              <a:rPr lang="en-US"/>
+              <a:rPr lang="en-US" smtClean="0"/>
               <a:t>Second level</a:t>
             </a:r>
           </a:p>
           <a:p>
             <a:pPr lvl="2"/>
             <a:r>
-              <a:rPr lang="en-US"/>
+              <a:rPr lang="en-US" smtClean="0"/>
               <a:t>Third level</a:t>
             </a:r>
           </a:p>
           <a:p>
             <a:pPr lvl="3"/>
             <a:r>
-              <a:rPr lang="en-US"/>
+              <a:rPr lang="en-US" smtClean="0"/>
               <a:t>Fourth level</a:t>
             </a:r>
           </a:p>
           <a:p>
             <a:pPr lvl="4"/>
             <a:r>
-              <a:rPr lang="en-US"/>
+              <a:rPr lang="en-US" smtClean="0"/>
               <a:t>Fifth level</a:t>
             </a:r>
+            <a:endParaRPr lang="en-US"/>
           </a:p>
         </p:txBody>
       </p:sp>
@@ -783,7 +797,7 @@
           <a:p>
             <a:fld id="{25D7B8A9-97E8-4BD4-B78B-327908A95502}" type="datetimeFigureOut">
               <a:rPr lang="en-US" smtClean="0"/>
-              <a:t>10/15/2019</a:t>
+              <a:t>10/3/2019</a:t>
             </a:fld>
             <a:endParaRPr lang="en-US"/>
           </a:p>
@@ -886,9 +900,10 @@
           </a:lstStyle>
           <a:p>
             <a:r>
-              <a:rPr lang="en-US"/>
+              <a:rPr lang="en-US" smtClean="0"/>
               <a:t>Click to edit Master title style</a:t>
             </a:r>
+            <a:endParaRPr lang="en-US"/>
           </a:p>
         </p:txBody>
       </p:sp>
@@ -1005,7 +1020,7 @@
           <a:p>
             <a:pPr lvl="0"/>
             <a:r>
-              <a:rPr lang="en-US"/>
+              <a:rPr lang="en-US" smtClean="0"/>
               <a:t>Edit Master text styles</a:t>
             </a:r>
           </a:p>
@@ -1028,7 +1043,7 @@
           <a:p>
             <a:fld id="{25D7B8A9-97E8-4BD4-B78B-327908A95502}" type="datetimeFigureOut">
               <a:rPr lang="en-US" smtClean="0"/>
-              <a:t>10/15/2019</a:t>
+              <a:t>10/3/2019</a:t>
             </a:fld>
             <a:endParaRPr lang="en-US"/>
           </a:p>
@@ -1122,9 +1137,10 @@
           <a:lstStyle/>
           <a:p>
             <a:r>
-              <a:rPr lang="en-US"/>
+              <a:rPr lang="en-US" smtClean="0"/>
               <a:t>Click to edit Master title style</a:t>
             </a:r>
+            <a:endParaRPr lang="en-US"/>
           </a:p>
         </p:txBody>
       </p:sp>
@@ -1150,37 +1166,38 @@
           <a:p>
             <a:pPr lvl="0"/>
             <a:r>
-              <a:rPr lang="en-US"/>
+              <a:rPr lang="en-US" smtClean="0"/>
               <a:t>Edit Master text styles</a:t>
             </a:r>
           </a:p>
           <a:p>
             <a:pPr lvl="1"/>
             <a:r>
-              <a:rPr lang="en-US"/>
+              <a:rPr lang="en-US" smtClean="0"/>
               <a:t>Second level</a:t>
             </a:r>
           </a:p>
           <a:p>
             <a:pPr lvl="2"/>
             <a:r>
-              <a:rPr lang="en-US"/>
+              <a:rPr lang="en-US" smtClean="0"/>
               <a:t>Third level</a:t>
             </a:r>
           </a:p>
           <a:p>
             <a:pPr lvl="3"/>
             <a:r>
-              <a:rPr lang="en-US"/>
+              <a:rPr lang="en-US" smtClean="0"/>
               <a:t>Fourth level</a:t>
             </a:r>
           </a:p>
           <a:p>
             <a:pPr lvl="4"/>
             <a:r>
-              <a:rPr lang="en-US"/>
+              <a:rPr lang="en-US" smtClean="0"/>
               <a:t>Fifth level</a:t>
             </a:r>
+            <a:endParaRPr lang="en-US"/>
           </a:p>
         </p:txBody>
       </p:sp>
@@ -1206,37 +1223,38 @@
           <a:p>
             <a:pPr lvl="0"/>
             <a:r>
-              <a:rPr lang="en-US"/>
+              <a:rPr lang="en-US" smtClean="0"/>
               <a:t>Edit Master text styles</a:t>
             </a:r>
           </a:p>
           <a:p>
             <a:pPr lvl="1"/>
             <a:r>
-              <a:rPr lang="en-US"/>
+              <a:rPr lang="en-US" smtClean="0"/>
               <a:t>Second level</a:t>
             </a:r>
           </a:p>
           <a:p>
             <a:pPr lvl="2"/>
             <a:r>
-              <a:rPr lang="en-US"/>
+              <a:rPr lang="en-US" smtClean="0"/>
               <a:t>Third level</a:t>
             </a:r>
           </a:p>
           <a:p>
             <a:pPr lvl="3"/>
             <a:r>
-              <a:rPr lang="en-US"/>
+              <a:rPr lang="en-US" smtClean="0"/>
               <a:t>Fourth level</a:t>
             </a:r>
           </a:p>
           <a:p>
             <a:pPr lvl="4"/>
             <a:r>
-              <a:rPr lang="en-US"/>
+              <a:rPr lang="en-US" smtClean="0"/>
               <a:t>Fifth level</a:t>
             </a:r>
+            <a:endParaRPr lang="en-US"/>
           </a:p>
         </p:txBody>
       </p:sp>
@@ -1257,7 +1275,7 @@
           <a:p>
             <a:fld id="{25D7B8A9-97E8-4BD4-B78B-327908A95502}" type="datetimeFigureOut">
               <a:rPr lang="en-US" smtClean="0"/>
-              <a:t>10/15/2019</a:t>
+              <a:t>10/3/2019</a:t>
             </a:fld>
             <a:endParaRPr lang="en-US"/>
           </a:p>
@@ -1356,9 +1374,10 @@
           <a:lstStyle/>
           <a:p>
             <a:r>
-              <a:rPr lang="en-US"/>
+              <a:rPr lang="en-US" smtClean="0"/>
               <a:t>Click to edit Master title style</a:t>
             </a:r>
+            <a:endParaRPr lang="en-US"/>
           </a:p>
         </p:txBody>
       </p:sp>
@@ -1421,7 +1440,7 @@
           <a:p>
             <a:pPr lvl="0"/>
             <a:r>
-              <a:rPr lang="en-US"/>
+              <a:rPr lang="en-US" smtClean="0"/>
               <a:t>Edit Master text styles</a:t>
             </a:r>
           </a:p>
@@ -1449,37 +1468,38 @@
           <a:p>
             <a:pPr lvl="0"/>
             <a:r>
-              <a:rPr lang="en-US"/>
+              <a:rPr lang="en-US" smtClean="0"/>
               <a:t>Edit Master text styles</a:t>
             </a:r>
           </a:p>
           <a:p>
             <a:pPr lvl="1"/>
             <a:r>
-              <a:rPr lang="en-US"/>
+              <a:rPr lang="en-US" smtClean="0"/>
               <a:t>Second level</a:t>
             </a:r>
           </a:p>
           <a:p>
             <a:pPr lvl="2"/>
             <a:r>
-              <a:rPr lang="en-US"/>
+              <a:rPr lang="en-US" smtClean="0"/>
               <a:t>Third level</a:t>
             </a:r>
           </a:p>
           <a:p>
             <a:pPr lvl="3"/>
             <a:r>
-              <a:rPr lang="en-US"/>
+              <a:rPr lang="en-US" smtClean="0"/>
               <a:t>Fourth level</a:t>
             </a:r>
           </a:p>
           <a:p>
             <a:pPr lvl="4"/>
             <a:r>
-              <a:rPr lang="en-US"/>
+              <a:rPr lang="en-US" smtClean="0"/>
               <a:t>Fifth level</a:t>
             </a:r>
+            <a:endParaRPr lang="en-US"/>
           </a:p>
         </p:txBody>
       </p:sp>
@@ -1542,7 +1562,7 @@
           <a:p>
             <a:pPr lvl="0"/>
             <a:r>
-              <a:rPr lang="en-US"/>
+              <a:rPr lang="en-US" smtClean="0"/>
               <a:t>Edit Master text styles</a:t>
             </a:r>
           </a:p>
@@ -1570,37 +1590,38 @@
           <a:p>
             <a:pPr lvl="0"/>
             <a:r>
-              <a:rPr lang="en-US"/>
+              <a:rPr lang="en-US" smtClean="0"/>
               <a:t>Edit Master text styles</a:t>
             </a:r>
           </a:p>
           <a:p>
             <a:pPr lvl="1"/>
             <a:r>
-              <a:rPr lang="en-US"/>
+              <a:rPr lang="en-US" smtClean="0"/>
               <a:t>Second level</a:t>
             </a:r>
           </a:p>
           <a:p>
             <a:pPr lvl="2"/>
             <a:r>
-              <a:rPr lang="en-US"/>
+              <a:rPr lang="en-US" smtClean="0"/>
               <a:t>Third level</a:t>
             </a:r>
           </a:p>
           <a:p>
             <a:pPr lvl="3"/>
             <a:r>
-              <a:rPr lang="en-US"/>
+              <a:rPr lang="en-US" smtClean="0"/>
               <a:t>Fourth level</a:t>
             </a:r>
           </a:p>
           <a:p>
             <a:pPr lvl="4"/>
             <a:r>
-              <a:rPr lang="en-US"/>
+              <a:rPr lang="en-US" smtClean="0"/>
               <a:t>Fifth level</a:t>
             </a:r>
+            <a:endParaRPr lang="en-US"/>
           </a:p>
         </p:txBody>
       </p:sp>
@@ -1621,7 +1642,7 @@
           <a:p>
             <a:fld id="{25D7B8A9-97E8-4BD4-B78B-327908A95502}" type="datetimeFigureOut">
               <a:rPr lang="en-US" smtClean="0"/>
-              <a:t>10/15/2019</a:t>
+              <a:t>10/3/2019</a:t>
             </a:fld>
             <a:endParaRPr lang="en-US"/>
           </a:p>
@@ -1715,9 +1736,10 @@
           <a:lstStyle/>
           <a:p>
             <a:r>
-              <a:rPr lang="en-US"/>
+              <a:rPr lang="en-US" smtClean="0"/>
               <a:t>Click to edit Master title style</a:t>
             </a:r>
+            <a:endParaRPr lang="en-US"/>
           </a:p>
         </p:txBody>
       </p:sp>
@@ -1738,7 +1760,7 @@
           <a:p>
             <a:fld id="{25D7B8A9-97E8-4BD4-B78B-327908A95502}" type="datetimeFigureOut">
               <a:rPr lang="en-US" smtClean="0"/>
-              <a:t>10/15/2019</a:t>
+              <a:t>10/3/2019</a:t>
             </a:fld>
             <a:endParaRPr lang="en-US"/>
           </a:p>
@@ -1833,7 +1855,7 @@
           <a:p>
             <a:fld id="{25D7B8A9-97E8-4BD4-B78B-327908A95502}" type="datetimeFigureOut">
               <a:rPr lang="en-US" smtClean="0"/>
-              <a:t>10/15/2019</a:t>
+              <a:t>10/3/2019</a:t>
             </a:fld>
             <a:endParaRPr lang="en-US"/>
           </a:p>
@@ -1936,9 +1958,10 @@
           </a:lstStyle>
           <a:p>
             <a:r>
-              <a:rPr lang="en-US"/>
+              <a:rPr lang="en-US" smtClean="0"/>
               <a:t>Click to edit Master title style</a:t>
             </a:r>
+            <a:endParaRPr lang="en-US"/>
           </a:p>
         </p:txBody>
       </p:sp>
@@ -1992,37 +2015,38 @@
           <a:p>
             <a:pPr lvl="0"/>
             <a:r>
-              <a:rPr lang="en-US"/>
+              <a:rPr lang="en-US" smtClean="0"/>
               <a:t>Edit Master text styles</a:t>
             </a:r>
           </a:p>
           <a:p>
             <a:pPr lvl="1"/>
             <a:r>
-              <a:rPr lang="en-US"/>
+              <a:rPr lang="en-US" smtClean="0"/>
               <a:t>Second level</a:t>
             </a:r>
           </a:p>
           <a:p>
             <a:pPr lvl="2"/>
             <a:r>
-              <a:rPr lang="en-US"/>
+              <a:rPr lang="en-US" smtClean="0"/>
               <a:t>Third level</a:t>
             </a:r>
           </a:p>
           <a:p>
             <a:pPr lvl="3"/>
             <a:r>
-              <a:rPr lang="en-US"/>
+              <a:rPr lang="en-US" smtClean="0"/>
               <a:t>Fourth level</a:t>
             </a:r>
           </a:p>
           <a:p>
             <a:pPr lvl="4"/>
             <a:r>
-              <a:rPr lang="en-US"/>
+              <a:rPr lang="en-US" smtClean="0"/>
               <a:t>Fifth level</a:t>
             </a:r>
+            <a:endParaRPr lang="en-US"/>
           </a:p>
         </p:txBody>
       </p:sp>
@@ -2085,7 +2109,7 @@
           <a:p>
             <a:pPr lvl="0"/>
             <a:r>
-              <a:rPr lang="en-US"/>
+              <a:rPr lang="en-US" smtClean="0"/>
               <a:t>Edit Master text styles</a:t>
             </a:r>
           </a:p>
@@ -2108,7 +2132,7 @@
           <a:p>
             <a:fld id="{25D7B8A9-97E8-4BD4-B78B-327908A95502}" type="datetimeFigureOut">
               <a:rPr lang="en-US" smtClean="0"/>
-              <a:t>10/15/2019</a:t>
+              <a:t>10/3/2019</a:t>
             </a:fld>
             <a:endParaRPr lang="en-US"/>
           </a:p>
@@ -2211,9 +2235,10 @@
           </a:lstStyle>
           <a:p>
             <a:r>
-              <a:rPr lang="en-US"/>
+              <a:rPr lang="en-US" smtClean="0"/>
               <a:t>Click to edit Master title style</a:t>
             </a:r>
+            <a:endParaRPr lang="en-US"/>
           </a:p>
         </p:txBody>
       </p:sp>
@@ -2337,7 +2362,7 @@
           <a:p>
             <a:pPr lvl="0"/>
             <a:r>
-              <a:rPr lang="en-US"/>
+              <a:rPr lang="en-US" smtClean="0"/>
               <a:t>Edit Master text styles</a:t>
             </a:r>
           </a:p>
@@ -2360,7 +2385,7 @@
           <a:p>
             <a:fld id="{25D7B8A9-97E8-4BD4-B78B-327908A95502}" type="datetimeFigureOut">
               <a:rPr lang="en-US" smtClean="0"/>
-              <a:t>10/15/2019</a:t>
+              <a:t>10/3/2019</a:t>
             </a:fld>
             <a:endParaRPr lang="en-US"/>
           </a:p>
@@ -2469,9 +2494,10 @@
           <a:lstStyle/>
           <a:p>
             <a:r>
-              <a:rPr lang="en-US"/>
+              <a:rPr lang="en-US" smtClean="0"/>
               <a:t>Click to edit Master title style</a:t>
             </a:r>
+            <a:endParaRPr lang="en-US"/>
           </a:p>
         </p:txBody>
       </p:sp>
@@ -2502,37 +2528,38 @@
           <a:p>
             <a:pPr lvl="0"/>
             <a:r>
-              <a:rPr lang="en-US"/>
+              <a:rPr lang="en-US" smtClean="0"/>
               <a:t>Edit Master text styles</a:t>
             </a:r>
           </a:p>
           <a:p>
             <a:pPr lvl="1"/>
             <a:r>
-              <a:rPr lang="en-US"/>
+              <a:rPr lang="en-US" smtClean="0"/>
               <a:t>Second level</a:t>
             </a:r>
           </a:p>
           <a:p>
             <a:pPr lvl="2"/>
             <a:r>
-              <a:rPr lang="en-US"/>
+              <a:rPr lang="en-US" smtClean="0"/>
               <a:t>Third level</a:t>
             </a:r>
           </a:p>
           <a:p>
             <a:pPr lvl="3"/>
             <a:r>
-              <a:rPr lang="en-US"/>
+              <a:rPr lang="en-US" smtClean="0"/>
               <a:t>Fourth level</a:t>
             </a:r>
           </a:p>
           <a:p>
             <a:pPr lvl="4"/>
             <a:r>
-              <a:rPr lang="en-US"/>
+              <a:rPr lang="en-US" smtClean="0"/>
               <a:t>Fifth level</a:t>
             </a:r>
+            <a:endParaRPr lang="en-US"/>
           </a:p>
         </p:txBody>
       </p:sp>
@@ -2571,7 +2598,7 @@
           <a:p>
             <a:fld id="{25D7B8A9-97E8-4BD4-B78B-327908A95502}" type="datetimeFigureOut">
               <a:rPr lang="en-US" smtClean="0"/>
-              <a:t>10/15/2019</a:t>
+              <a:t>10/3/2019</a:t>
             </a:fld>
             <a:endParaRPr lang="en-US"/>
           </a:p>
@@ -2999,7 +3026,7 @@
           <a:lstStyle/>
           <a:p>
             <a:r>
-              <a:rPr lang="en-US" dirty="0">
+              <a:rPr lang="en-US" dirty="0" smtClean="0">
                 <a:hlinkClick r:id="rId2" action="ppaction://hlinkpres?slideindex=1&amp;slidetitle="/>
               </a:rPr>
               <a:t>Syllabus </a:t>
@@ -3029,15 +3056,16 @@
           <a:lstStyle/>
           <a:p>
             <a:r>
-              <a:rPr lang="en-US" sz="4000" dirty="0"/>
+              <a:rPr lang="en-US" sz="4000" dirty="0" smtClean="0"/>
               <a:t>Inner classes</a:t>
             </a:r>
           </a:p>
           <a:p>
             <a:r>
-              <a:rPr lang="en-US" dirty="0"/>
+              <a:rPr lang="en-US" dirty="0" smtClean="0"/>
               <a:t>Unit-4</a:t>
             </a:r>
+            <a:endParaRPr lang="en-US" dirty="0"/>
           </a:p>
         </p:txBody>
       </p:sp>
@@ -3051,6 +3079,13 @@
   <p:clrMapOvr>
     <a:masterClrMapping/>
   </p:clrMapOvr>
+  <p:timing>
+    <p:tnLst>
+      <p:par>
+        <p:cTn id="1" dur="indefinite" restart="never" nodeType="tmRoot"/>
+      </p:par>
+    </p:tnLst>
+  </p:timing>
 </p:sld>
 </file>
 
@@ -3450,16 +3485,31 @@
               </a:rPr>
               <a:t>A static class i.e. created inside a class is called static nested class in java. </a:t>
             </a:r>
-          </a:p>
-          <a:p>
-            <a:r>
-              <a:rPr lang="en-US" dirty="0">
-                <a:solidFill>
-                  <a:srgbClr val="000000"/>
-                </a:solidFill>
-                <a:latin typeface="verdana" panose="020B0604030504040204" pitchFamily="34" charset="0"/>
-              </a:rPr>
-              <a:t>It cannot access non-static data members and methods. It can be accessed by outer class name.</a:t>
+            <a:endParaRPr lang="en-US" dirty="0" smtClean="0">
+              <a:solidFill>
+                <a:srgbClr val="000000"/>
+              </a:solidFill>
+              <a:latin typeface="verdana" panose="020B0604030504040204" pitchFamily="34" charset="0"/>
+            </a:endParaRPr>
+          </a:p>
+          <a:p>
+            <a:r>
+              <a:rPr lang="en-US" dirty="0" smtClean="0">
+                <a:solidFill>
+                  <a:srgbClr val="000000"/>
+                </a:solidFill>
+                <a:latin typeface="verdana" panose="020B0604030504040204" pitchFamily="34" charset="0"/>
+              </a:rPr>
+              <a:t>It </a:t>
+            </a:r>
+            <a:r>
+              <a:rPr lang="en-US" dirty="0">
+                <a:solidFill>
+                  <a:srgbClr val="000000"/>
+                </a:solidFill>
+                <a:latin typeface="verdana" panose="020B0604030504040204" pitchFamily="34" charset="0"/>
+              </a:rPr>
+              <a:t>cannot access non-static data members and methods. It can be accessed by outer class name.</a:t>
             </a:r>
           </a:p>
           <a:p>
@@ -4253,7 +4303,7 @@
           <a:lstStyle/>
           <a:p>
             <a:r>
-              <a:rPr lang="en-US" sz="2800" u="sng" dirty="0">
+              <a:rPr lang="en-US" sz="2800" u="sng" dirty="0" smtClean="0">
                 <a:solidFill>
                   <a:srgbClr val="000000"/>
                 </a:solidFill>
@@ -5109,13 +5159,22 @@
               <a:t>50</a:t>
             </a:r>
             <a:r>
-              <a:rPr lang="en-US" dirty="0">
-                <a:solidFill>
-                  <a:srgbClr val="000000"/>
-                </a:solidFill>
-                <a:latin typeface="verdana" panose="020B0604030504040204" pitchFamily="34" charset="0"/>
-              </a:rPr>
-              <a:t>; </a:t>
+              <a:rPr lang="en-US" dirty="0" smtClean="0">
+                <a:solidFill>
+                  <a:srgbClr val="000000"/>
+                </a:solidFill>
+                <a:latin typeface="verdana" panose="020B0604030504040204" pitchFamily="34" charset="0"/>
+              </a:rPr>
+              <a:t>;</a:t>
+            </a:r>
+            <a:r>
+              <a:rPr lang="en-US" dirty="0">
+                <a:solidFill>
+                  <a:srgbClr val="000000"/>
+                </a:solidFill>
+                <a:latin typeface="verdana" panose="020B0604030504040204" pitchFamily="34" charset="0"/>
+              </a:rPr>
+              <a:t> </a:t>
             </a:r>
           </a:p>
           <a:p>
@@ -5497,6 +5556,278 @@
     <p:extLst>
       <p:ext uri="{BB962C8B-B14F-4D97-AF65-F5344CB8AC3E}">
         <p14:creationId xmlns:p14="http://schemas.microsoft.com/office/powerpoint/2010/main" val="3541167701"/>
+      </p:ext>
+    </p:extLst>
+  </p:cSld>
+  <p:clrMapOvr>
+    <a:masterClrMapping/>
+  </p:clrMapOvr>
+</p:sld>
+</file>
+
+<file path=ppt/slides/slide16.xml><?xml version="1.0" encoding="utf-8"?>
+<p:sld xmlns:a="http://schemas.openxmlformats.org/drawingml/2006/main" xmlns:r="http://schemas.openxmlformats.org/officeDocument/2006/relationships" xmlns:p="http://schemas.openxmlformats.org/presentationml/2006/main">
+  <p:cSld>
+    <p:spTree>
+      <p:nvGrpSpPr>
+        <p:cNvPr id="1" name=""/>
+        <p:cNvGrpSpPr/>
+        <p:nvPr/>
+      </p:nvGrpSpPr>
+      <p:grpSpPr>
+        <a:xfrm>
+          <a:off x="0" y="0"/>
+          <a:ext cx="0" cy="0"/>
+          <a:chOff x="0" y="0"/>
+          <a:chExt cx="0" cy="0"/>
+        </a:xfrm>
+      </p:grpSpPr>
+      <p:sp>
+        <p:nvSpPr>
+          <p:cNvPr id="2" name="Title 1"/>
+          <p:cNvSpPr>
+            <a:spLocks noGrp="1"/>
+          </p:cNvSpPr>
+          <p:nvPr>
+            <p:ph type="title"/>
+          </p:nvPr>
+        </p:nvSpPr>
+        <p:spPr/>
+        <p:txBody>
+          <a:bodyPr/>
+          <a:lstStyle/>
+          <a:p>
+            <a:endParaRPr lang="en-US"/>
+          </a:p>
+        </p:txBody>
+      </p:sp>
+      <p:sp>
+        <p:nvSpPr>
+          <p:cNvPr id="3" name="Content Placeholder 2"/>
+          <p:cNvSpPr>
+            <a:spLocks noGrp="1"/>
+          </p:cNvSpPr>
+          <p:nvPr>
+            <p:ph idx="1"/>
+          </p:nvPr>
+        </p:nvSpPr>
+        <p:spPr/>
+        <p:txBody>
+          <a:bodyPr/>
+          <a:lstStyle/>
+          <a:p>
+            <a:endParaRPr lang="en-US"/>
+          </a:p>
+        </p:txBody>
+      </p:sp>
+    </p:spTree>
+    <p:extLst>
+      <p:ext uri="{BB962C8B-B14F-4D97-AF65-F5344CB8AC3E}">
+        <p14:creationId xmlns:p14="http://schemas.microsoft.com/office/powerpoint/2010/main" val="422450571"/>
+      </p:ext>
+    </p:extLst>
+  </p:cSld>
+  <p:clrMapOvr>
+    <a:masterClrMapping/>
+  </p:clrMapOvr>
+</p:sld>
+</file>
+
+<file path=ppt/slides/slide17.xml><?xml version="1.0" encoding="utf-8"?>
+<p:sld xmlns:a="http://schemas.openxmlformats.org/drawingml/2006/main" xmlns:r="http://schemas.openxmlformats.org/officeDocument/2006/relationships" xmlns:p="http://schemas.openxmlformats.org/presentationml/2006/main">
+  <p:cSld>
+    <p:spTree>
+      <p:nvGrpSpPr>
+        <p:cNvPr id="1" name=""/>
+        <p:cNvGrpSpPr/>
+        <p:nvPr/>
+      </p:nvGrpSpPr>
+      <p:grpSpPr>
+        <a:xfrm>
+          <a:off x="0" y="0"/>
+          <a:ext cx="0" cy="0"/>
+          <a:chOff x="0" y="0"/>
+          <a:chExt cx="0" cy="0"/>
+        </a:xfrm>
+      </p:grpSpPr>
+      <p:sp>
+        <p:nvSpPr>
+          <p:cNvPr id="2" name="Title 1"/>
+          <p:cNvSpPr>
+            <a:spLocks noGrp="1"/>
+          </p:cNvSpPr>
+          <p:nvPr>
+            <p:ph type="title"/>
+          </p:nvPr>
+        </p:nvSpPr>
+        <p:spPr/>
+        <p:txBody>
+          <a:bodyPr/>
+          <a:lstStyle/>
+          <a:p>
+            <a:endParaRPr lang="en-US"/>
+          </a:p>
+        </p:txBody>
+      </p:sp>
+      <p:sp>
+        <p:nvSpPr>
+          <p:cNvPr id="3" name="Content Placeholder 2"/>
+          <p:cNvSpPr>
+            <a:spLocks noGrp="1"/>
+          </p:cNvSpPr>
+          <p:nvPr>
+            <p:ph idx="1"/>
+          </p:nvPr>
+        </p:nvSpPr>
+        <p:spPr/>
+        <p:txBody>
+          <a:bodyPr/>
+          <a:lstStyle/>
+          <a:p>
+            <a:endParaRPr lang="en-US"/>
+          </a:p>
+        </p:txBody>
+      </p:sp>
+    </p:spTree>
+    <p:extLst>
+      <p:ext uri="{BB962C8B-B14F-4D97-AF65-F5344CB8AC3E}">
+        <p14:creationId xmlns:p14="http://schemas.microsoft.com/office/powerpoint/2010/main" val="2133973983"/>
+      </p:ext>
+    </p:extLst>
+  </p:cSld>
+  <p:clrMapOvr>
+    <a:masterClrMapping/>
+  </p:clrMapOvr>
+</p:sld>
+</file>
+
+<file path=ppt/slides/slide18.xml><?xml version="1.0" encoding="utf-8"?>
+<p:sld xmlns:a="http://schemas.openxmlformats.org/drawingml/2006/main" xmlns:r="http://schemas.openxmlformats.org/officeDocument/2006/relationships" xmlns:p="http://schemas.openxmlformats.org/presentationml/2006/main">
+  <p:cSld>
+    <p:spTree>
+      <p:nvGrpSpPr>
+        <p:cNvPr id="1" name=""/>
+        <p:cNvGrpSpPr/>
+        <p:nvPr/>
+      </p:nvGrpSpPr>
+      <p:grpSpPr>
+        <a:xfrm>
+          <a:off x="0" y="0"/>
+          <a:ext cx="0" cy="0"/>
+          <a:chOff x="0" y="0"/>
+          <a:chExt cx="0" cy="0"/>
+        </a:xfrm>
+      </p:grpSpPr>
+      <p:sp>
+        <p:nvSpPr>
+          <p:cNvPr id="2" name="Title 1"/>
+          <p:cNvSpPr>
+            <a:spLocks noGrp="1"/>
+          </p:cNvSpPr>
+          <p:nvPr>
+            <p:ph type="title"/>
+          </p:nvPr>
+        </p:nvSpPr>
+        <p:spPr/>
+        <p:txBody>
+          <a:bodyPr/>
+          <a:lstStyle/>
+          <a:p>
+            <a:endParaRPr lang="en-US"/>
+          </a:p>
+        </p:txBody>
+      </p:sp>
+      <p:sp>
+        <p:nvSpPr>
+          <p:cNvPr id="3" name="Content Placeholder 2"/>
+          <p:cNvSpPr>
+            <a:spLocks noGrp="1"/>
+          </p:cNvSpPr>
+          <p:nvPr>
+            <p:ph idx="1"/>
+          </p:nvPr>
+        </p:nvSpPr>
+        <p:spPr/>
+        <p:txBody>
+          <a:bodyPr/>
+          <a:lstStyle/>
+          <a:p>
+            <a:endParaRPr lang="en-US"/>
+          </a:p>
+        </p:txBody>
+      </p:sp>
+    </p:spTree>
+    <p:extLst>
+      <p:ext uri="{BB962C8B-B14F-4D97-AF65-F5344CB8AC3E}">
+        <p14:creationId xmlns:p14="http://schemas.microsoft.com/office/powerpoint/2010/main" val="595382710"/>
+      </p:ext>
+    </p:extLst>
+  </p:cSld>
+  <p:clrMapOvr>
+    <a:masterClrMapping/>
+  </p:clrMapOvr>
+</p:sld>
+</file>
+
+<file path=ppt/slides/slide19.xml><?xml version="1.0" encoding="utf-8"?>
+<p:sld xmlns:a="http://schemas.openxmlformats.org/drawingml/2006/main" xmlns:r="http://schemas.openxmlformats.org/officeDocument/2006/relationships" xmlns:p="http://schemas.openxmlformats.org/presentationml/2006/main">
+  <p:cSld>
+    <p:spTree>
+      <p:nvGrpSpPr>
+        <p:cNvPr id="1" name=""/>
+        <p:cNvGrpSpPr/>
+        <p:nvPr/>
+      </p:nvGrpSpPr>
+      <p:grpSpPr>
+        <a:xfrm>
+          <a:off x="0" y="0"/>
+          <a:ext cx="0" cy="0"/>
+          <a:chOff x="0" y="0"/>
+          <a:chExt cx="0" cy="0"/>
+        </a:xfrm>
+      </p:grpSpPr>
+      <p:sp>
+        <p:nvSpPr>
+          <p:cNvPr id="2" name="Title 1"/>
+          <p:cNvSpPr>
+            <a:spLocks noGrp="1"/>
+          </p:cNvSpPr>
+          <p:nvPr>
+            <p:ph type="title"/>
+          </p:nvPr>
+        </p:nvSpPr>
+        <p:spPr/>
+        <p:txBody>
+          <a:bodyPr/>
+          <a:lstStyle/>
+          <a:p>
+            <a:endParaRPr lang="en-US"/>
+          </a:p>
+        </p:txBody>
+      </p:sp>
+      <p:sp>
+        <p:nvSpPr>
+          <p:cNvPr id="3" name="Content Placeholder 2"/>
+          <p:cNvSpPr>
+            <a:spLocks noGrp="1"/>
+          </p:cNvSpPr>
+          <p:nvPr>
+            <p:ph idx="1"/>
+          </p:nvPr>
+        </p:nvSpPr>
+        <p:spPr/>
+        <p:txBody>
+          <a:bodyPr/>
+          <a:lstStyle/>
+          <a:p>
+            <a:endParaRPr lang="en-US"/>
+          </a:p>
+        </p:txBody>
+      </p:sp>
+    </p:spTree>
+    <p:extLst>
+      <p:ext uri="{BB962C8B-B14F-4D97-AF65-F5344CB8AC3E}">
+        <p14:creationId xmlns:p14="http://schemas.microsoft.com/office/powerpoint/2010/main" val="713085471"/>
       </p:ext>
     </p:extLst>
   </p:cSld>
@@ -5599,18 +5930,22 @@
                 <a:latin typeface="Times New Roman" panose="02020603050405020304" pitchFamily="18" charset="0"/>
                 <a:cs typeface="Times New Roman" panose="02020603050405020304" pitchFamily="18" charset="0"/>
               </a:rPr>
-              <a:t> or nested class is a class which is </a:t>
-            </a:r>
-            <a:r>
-              <a:rPr lang="en-US" u="sng" dirty="0">
+              <a:t> or nested class is a class which is declared inside the class or interface.</a:t>
+            </a:r>
+          </a:p>
+          <a:p>
+            <a:r>
+              <a:rPr lang="en-US" dirty="0">
                 <a:solidFill>
                   <a:srgbClr val="000000"/>
                 </a:solidFill>
                 <a:latin typeface="Times New Roman" panose="02020603050405020304" pitchFamily="18" charset="0"/>
                 <a:cs typeface="Times New Roman" panose="02020603050405020304" pitchFamily="18" charset="0"/>
               </a:rPr>
-              <a:t>declared inside the class or interface</a:t>
-            </a:r>
+              <a:t>We use inner classes to logically group classes and interfaces in one place so that it can be more readable and maintainable.</a:t>
+            </a:r>
+          </a:p>
+          <a:p>
             <a:r>
               <a:rPr lang="en-US" dirty="0">
                 <a:solidFill>
@@ -5619,45 +5954,21 @@
                 <a:latin typeface="Times New Roman" panose="02020603050405020304" pitchFamily="18" charset="0"/>
                 <a:cs typeface="Times New Roman" panose="02020603050405020304" pitchFamily="18" charset="0"/>
               </a:rPr>
-              <a:t>.</a:t>
-            </a:r>
-          </a:p>
-          <a:p>
-            <a:r>
-              <a:rPr lang="en-US" dirty="0">
+              <a:t>Additionally, it can access all the members of outer class including private data members and methods</a:t>
+            </a:r>
+            <a:r>
+              <a:rPr lang="en-US" dirty="0" smtClean="0">
                 <a:solidFill>
                   <a:srgbClr val="000000"/>
                 </a:solidFill>
                 <a:latin typeface="Times New Roman" panose="02020603050405020304" pitchFamily="18" charset="0"/>
                 <a:cs typeface="Times New Roman" panose="02020603050405020304" pitchFamily="18" charset="0"/>
               </a:rPr>
-              <a:t>We use inner classes to logically group classes and interfaces in one place so that it can be more readable and maintainable.</a:t>
-            </a:r>
-          </a:p>
-          <a:p>
-            <a:r>
-              <a:rPr lang="en-US" dirty="0">
-                <a:solidFill>
-                  <a:srgbClr val="000000"/>
-                </a:solidFill>
-                <a:latin typeface="Times New Roman" panose="02020603050405020304" pitchFamily="18" charset="0"/>
-                <a:cs typeface="Times New Roman" panose="02020603050405020304" pitchFamily="18" charset="0"/>
-              </a:rPr>
-              <a:t>Additionally, </a:t>
-            </a:r>
-            <a:r>
-              <a:rPr lang="en-US" u="sng" dirty="0">
-                <a:solidFill>
-                  <a:srgbClr val="000000"/>
-                </a:solidFill>
-                <a:latin typeface="Times New Roman" panose="02020603050405020304" pitchFamily="18" charset="0"/>
-                <a:cs typeface="Times New Roman" panose="02020603050405020304" pitchFamily="18" charset="0"/>
-              </a:rPr>
-              <a:t>it can access all the members of outer class including private data members and methods.</a:t>
-            </a:r>
-          </a:p>
-          <a:p>
-            <a:endParaRPr lang="en-US" dirty="0">
+              <a:t>.</a:t>
+            </a:r>
+          </a:p>
+          <a:p>
+            <a:endParaRPr lang="en-US" dirty="0" smtClean="0">
               <a:solidFill>
                 <a:srgbClr val="000000"/>
               </a:solidFill>
@@ -5864,6 +6175,13 @@
               </a:rPr>
               <a:t>}  </a:t>
             </a:r>
+            <a:endParaRPr lang="en-US" sz="2800" dirty="0" smtClean="0">
+              <a:solidFill>
+                <a:srgbClr val="000000"/>
+              </a:solidFill>
+              <a:latin typeface="Times New Roman" panose="02020603050405020304" pitchFamily="18" charset="0"/>
+              <a:cs typeface="Times New Roman" panose="02020603050405020304" pitchFamily="18" charset="0"/>
+            </a:endParaRPr>
           </a:p>
           <a:p>
             <a:pPr marL="457200" lvl="1" indent="0">
@@ -5888,43 +6206,54 @@
               </a:rPr>
               <a:t>There are basically three advantages of inner classes in java. </a:t>
             </a:r>
+            <a:endParaRPr lang="en-US" dirty="0" smtClean="0">
+              <a:latin typeface="Times New Roman" panose="02020603050405020304" pitchFamily="18" charset="0"/>
+              <a:cs typeface="Times New Roman" panose="02020603050405020304" pitchFamily="18" charset="0"/>
+            </a:endParaRPr>
           </a:p>
           <a:p>
             <a:pPr marL="457200" lvl="1" indent="0">
               <a:buNone/>
             </a:pPr>
+            <a:r>
+              <a:rPr lang="en-US" sz="2800" dirty="0" smtClean="0">
+                <a:latin typeface="Times New Roman" panose="02020603050405020304" pitchFamily="18" charset="0"/>
+                <a:cs typeface="Times New Roman" panose="02020603050405020304" pitchFamily="18" charset="0"/>
+              </a:rPr>
+              <a:t>1) Nested classes represent a special type of relationship that is </a:t>
+            </a:r>
+            <a:r>
+              <a:rPr lang="en-US" sz="2800" b="1" dirty="0" smtClean="0">
+                <a:latin typeface="Times New Roman" panose="02020603050405020304" pitchFamily="18" charset="0"/>
+                <a:cs typeface="Times New Roman" panose="02020603050405020304" pitchFamily="18" charset="0"/>
+              </a:rPr>
+              <a:t>it can access all the members (data members and methods) of outer class</a:t>
+            </a:r>
+            <a:r>
+              <a:rPr lang="en-US" sz="2800" dirty="0" smtClean="0">
+                <a:latin typeface="Times New Roman" panose="02020603050405020304" pitchFamily="18" charset="0"/>
+                <a:cs typeface="Times New Roman" panose="02020603050405020304" pitchFamily="18" charset="0"/>
+              </a:rPr>
+              <a:t> including private.</a:t>
+            </a:r>
+          </a:p>
+          <a:p>
+            <a:pPr marL="457200" lvl="1" indent="0">
+              <a:buNone/>
+            </a:pPr>
+            <a:r>
+              <a:rPr lang="en-US" sz="2800" dirty="0" smtClean="0">
+                <a:latin typeface="Times New Roman" panose="02020603050405020304" pitchFamily="18" charset="0"/>
+                <a:cs typeface="Times New Roman" panose="02020603050405020304" pitchFamily="18" charset="0"/>
+              </a:rPr>
+              <a:t>2</a:t>
+            </a:r>
             <a:r>
               <a:rPr lang="en-US" sz="2800" dirty="0">
                 <a:latin typeface="Times New Roman" panose="02020603050405020304" pitchFamily="18" charset="0"/>
                 <a:cs typeface="Times New Roman" panose="02020603050405020304" pitchFamily="18" charset="0"/>
               </a:rPr>
-              <a:t>1) Nested classes represent a special type of relationship that is </a:t>
-            </a:r>
-            <a:r>
-              <a:rPr lang="en-US" sz="2800" b="1" dirty="0">
-                <a:latin typeface="Times New Roman" panose="02020603050405020304" pitchFamily="18" charset="0"/>
-                <a:cs typeface="Times New Roman" panose="02020603050405020304" pitchFamily="18" charset="0"/>
-              </a:rPr>
-              <a:t>it can access all the members (data members and methods) of outer class</a:t>
-            </a:r>
-            <a:r>
-              <a:rPr lang="en-US" sz="2800" dirty="0">
-                <a:latin typeface="Times New Roman" panose="02020603050405020304" pitchFamily="18" charset="0"/>
-                <a:cs typeface="Times New Roman" panose="02020603050405020304" pitchFamily="18" charset="0"/>
-              </a:rPr>
-              <a:t> including private.</a:t>
-            </a:r>
-          </a:p>
-          <a:p>
-            <a:pPr marL="457200" lvl="1" indent="0">
-              <a:buNone/>
-            </a:pPr>
-            <a:r>
-              <a:rPr lang="en-US" sz="2800" dirty="0">
-                <a:latin typeface="Times New Roman" panose="02020603050405020304" pitchFamily="18" charset="0"/>
-                <a:cs typeface="Times New Roman" panose="02020603050405020304" pitchFamily="18" charset="0"/>
-              </a:rPr>
-              <a:t>2) Nested classes are used </a:t>
+              <a:t>) Nested classes are used </a:t>
             </a:r>
             <a:r>
               <a:rPr lang="en-US" sz="2800" b="1" dirty="0">
@@ -5995,6 +6324,149 @@
     <p:extLst>
       <p:ext uri="{BB962C8B-B14F-4D97-AF65-F5344CB8AC3E}">
         <p14:creationId xmlns:p14="http://schemas.microsoft.com/office/powerpoint/2010/main" val="2497713625"/>
+      </p:ext>
+    </p:extLst>
+  </p:cSld>
+  <p:clrMapOvr>
+    <a:masterClrMapping/>
+  </p:clrMapOvr>
+  <p:timing>
+    <p:tnLst>
+      <p:par>
+        <p:cTn id="1" dur="indefinite" restart="never" nodeType="tmRoot"/>
+      </p:par>
+    </p:tnLst>
+  </p:timing>
+</p:sld>
+</file>
+
+<file path=ppt/slides/slide20.xml><?xml version="1.0" encoding="utf-8"?>
+<p:sld xmlns:a="http://schemas.openxmlformats.org/drawingml/2006/main" xmlns:r="http://schemas.openxmlformats.org/officeDocument/2006/relationships" xmlns:p="http://schemas.openxmlformats.org/presentationml/2006/main">
+  <p:cSld>
+    <p:spTree>
+      <p:nvGrpSpPr>
+        <p:cNvPr id="1" name=""/>
+        <p:cNvGrpSpPr/>
+        <p:nvPr/>
+      </p:nvGrpSpPr>
+      <p:grpSpPr>
+        <a:xfrm>
+          <a:off x="0" y="0"/>
+          <a:ext cx="0" cy="0"/>
+          <a:chOff x="0" y="0"/>
+          <a:chExt cx="0" cy="0"/>
+        </a:xfrm>
+      </p:grpSpPr>
+      <p:sp>
+        <p:nvSpPr>
+          <p:cNvPr id="2" name="Title 1"/>
+          <p:cNvSpPr>
+            <a:spLocks noGrp="1"/>
+          </p:cNvSpPr>
+          <p:nvPr>
+            <p:ph type="title"/>
+          </p:nvPr>
+        </p:nvSpPr>
+        <p:spPr/>
+        <p:txBody>
+          <a:bodyPr/>
+          <a:lstStyle/>
+          <a:p>
+            <a:endParaRPr lang="en-US"/>
+          </a:p>
+        </p:txBody>
+      </p:sp>
+      <p:sp>
+        <p:nvSpPr>
+          <p:cNvPr id="3" name="Content Placeholder 2"/>
+          <p:cNvSpPr>
+            <a:spLocks noGrp="1"/>
+          </p:cNvSpPr>
+          <p:nvPr>
+            <p:ph idx="1"/>
+          </p:nvPr>
+        </p:nvSpPr>
+        <p:spPr/>
+        <p:txBody>
+          <a:bodyPr/>
+          <a:lstStyle/>
+          <a:p>
+            <a:endParaRPr lang="en-US"/>
+          </a:p>
+        </p:txBody>
+      </p:sp>
+    </p:spTree>
+    <p:extLst>
+      <p:ext uri="{BB962C8B-B14F-4D97-AF65-F5344CB8AC3E}">
+        <p14:creationId xmlns:p14="http://schemas.microsoft.com/office/powerpoint/2010/main" val="3757184502"/>
+      </p:ext>
+    </p:extLst>
+  </p:cSld>
+  <p:clrMapOvr>
+    <a:masterClrMapping/>
+  </p:clrMapOvr>
+</p:sld>
+</file>
+
+<file path=ppt/slides/slide21.xml><?xml version="1.0" encoding="utf-8"?>
+<p:sld xmlns:a="http://schemas.openxmlformats.org/drawingml/2006/main" xmlns:r="http://schemas.openxmlformats.org/officeDocument/2006/relationships" xmlns:p="http://schemas.openxmlformats.org/presentationml/2006/main">
+  <p:cSld>
+    <p:spTree>
+      <p:nvGrpSpPr>
+        <p:cNvPr id="1" name=""/>
+        <p:cNvGrpSpPr/>
+        <p:nvPr/>
+      </p:nvGrpSpPr>
+      <p:grpSpPr>
+        <a:xfrm>
+          <a:off x="0" y="0"/>
+          <a:ext cx="0" cy="0"/>
+          <a:chOff x="0" y="0"/>
+          <a:chExt cx="0" cy="0"/>
+        </a:xfrm>
+      </p:grpSpPr>
+      <p:sp>
+        <p:nvSpPr>
+          <p:cNvPr id="2" name="Title 1"/>
+          <p:cNvSpPr>
+            <a:spLocks noGrp="1"/>
+          </p:cNvSpPr>
+          <p:nvPr>
+            <p:ph type="title"/>
+          </p:nvPr>
+        </p:nvSpPr>
+        <p:spPr/>
+        <p:txBody>
+          <a:bodyPr/>
+          <a:lstStyle/>
+          <a:p>
+            <a:endParaRPr lang="en-US"/>
+          </a:p>
+        </p:txBody>
+      </p:sp>
+      <p:sp>
+        <p:nvSpPr>
+          <p:cNvPr id="3" name="Content Placeholder 2"/>
+          <p:cNvSpPr>
+            <a:spLocks noGrp="1"/>
+          </p:cNvSpPr>
+          <p:nvPr>
+            <p:ph idx="1"/>
+          </p:nvPr>
+        </p:nvSpPr>
+        <p:spPr/>
+        <p:txBody>
+          <a:bodyPr/>
+          <a:lstStyle/>
+          <a:p>
+            <a:endParaRPr lang="en-US"/>
+          </a:p>
+        </p:txBody>
+      </p:sp>
+    </p:spTree>
+    <p:extLst>
+      <p:ext uri="{BB962C8B-B14F-4D97-AF65-F5344CB8AC3E}">
+        <p14:creationId xmlns:p14="http://schemas.microsoft.com/office/powerpoint/2010/main" val="1984633673"/>
       </p:ext>
     </p:extLst>
   </p:cSld>
@@ -6083,23 +6555,41 @@
                 </a:solidFill>
                 <a:latin typeface="verdana" panose="020B0604030504040204" pitchFamily="34" charset="0"/>
               </a:rPr>
-              <a:t>There are two types of nested classes non-static and static nested classes.</a:t>
-            </a:r>
-          </a:p>
-          <a:p>
-            <a:r>
-              <a:rPr lang="en-US" dirty="0">
-                <a:solidFill>
-                  <a:srgbClr val="000000"/>
-                </a:solidFill>
-                <a:latin typeface="verdana" panose="020B0604030504040204" pitchFamily="34" charset="0"/>
-              </a:rPr>
-              <a:t>The non-static nested classes are also known as inner classes.</a:t>
-            </a:r>
-          </a:p>
-          <a:p>
-            <a:r>
-              <a:rPr lang="en-US" u="sng" dirty="0">
+              <a:t>There are two types of nested classes non-static and static nested classes</a:t>
+            </a:r>
+            <a:r>
+              <a:rPr lang="en-US" dirty="0" smtClean="0">
+                <a:solidFill>
+                  <a:srgbClr val="000000"/>
+                </a:solidFill>
+                <a:latin typeface="verdana" panose="020B0604030504040204" pitchFamily="34" charset="0"/>
+              </a:rPr>
+              <a:t>.</a:t>
+            </a:r>
+          </a:p>
+          <a:p>
+            <a:r>
+              <a:rPr lang="en-US" dirty="0" smtClean="0">
+                <a:solidFill>
+                  <a:srgbClr val="000000"/>
+                </a:solidFill>
+                <a:latin typeface="verdana" panose="020B0604030504040204" pitchFamily="34" charset="0"/>
+              </a:rPr>
+              <a:t>The </a:t>
+            </a:r>
+            <a:r>
+              <a:rPr lang="en-US" dirty="0">
+                <a:solidFill>
+                  <a:srgbClr val="000000"/>
+                </a:solidFill>
+                <a:latin typeface="verdana" panose="020B0604030504040204" pitchFamily="34" charset="0"/>
+              </a:rPr>
+              <a:t>non-static nested classes are also known as inner classes.</a:t>
+            </a:r>
+          </a:p>
+          <a:p>
+            <a:r>
+              <a:rPr lang="en-US" dirty="0">
                 <a:solidFill>
                   <a:srgbClr val="000000"/>
                 </a:solidFill>
@@ -6111,7 +6601,7 @@
           <a:p>
             <a:pPr marL="742950" lvl="1" indent="-285750"/>
             <a:r>
-              <a:rPr lang="en-US" u="sng" dirty="0">
+              <a:rPr lang="en-US" dirty="0">
                 <a:solidFill>
                   <a:srgbClr val="000000"/>
                 </a:solidFill>
@@ -6123,7 +6613,7 @@
           <a:p>
             <a:pPr marL="742950" lvl="1" indent="-285750"/>
             <a:r>
-              <a:rPr lang="en-US" u="sng" dirty="0">
+              <a:rPr lang="en-US" dirty="0">
                 <a:solidFill>
                   <a:srgbClr val="000000"/>
                 </a:solidFill>
@@ -6135,7 +6625,7 @@
           <a:p>
             <a:pPr marL="742950" lvl="1" indent="-285750"/>
             <a:r>
-              <a:rPr lang="en-US" u="sng" dirty="0">
+              <a:rPr lang="en-US" dirty="0">
                 <a:solidFill>
                   <a:srgbClr val="000000"/>
                 </a:solidFill>
@@ -6146,7 +6636,7 @@
           </a:p>
           <a:p>
             <a:r>
-              <a:rPr lang="en-US" u="sng" dirty="0">
+              <a:rPr lang="en-US" dirty="0">
                 <a:solidFill>
                   <a:srgbClr val="000000"/>
                 </a:solidFill>
@@ -6245,23 +6735,41 @@
                 </a:solidFill>
                 <a:latin typeface="verdana" panose="020B0604030504040204" pitchFamily="34" charset="0"/>
               </a:rPr>
-              <a:t> A{  </a:t>
-            </a:r>
-          </a:p>
-          <a:p>
-            <a:pPr marL="0" indent="0">
-              <a:buNone/>
-            </a:pPr>
-            <a:r>
-              <a:rPr lang="en-US" dirty="0">
-                <a:solidFill>
-                  <a:srgbClr val="000000"/>
-                </a:solidFill>
-                <a:latin typeface="verdana" panose="020B0604030504040204" pitchFamily="34" charset="0"/>
-              </a:rPr>
               <a:t> </a:t>
             </a:r>
             <a:r>
+              <a:rPr lang="en-US" dirty="0" smtClean="0">
+                <a:solidFill>
+                  <a:srgbClr val="000000"/>
+                </a:solidFill>
+                <a:latin typeface="verdana" panose="020B0604030504040204" pitchFamily="34" charset="0"/>
+              </a:rPr>
+              <a:t>A{</a:t>
+            </a:r>
+            <a:r>
+              <a:rPr lang="en-US" dirty="0">
+                <a:solidFill>
+                  <a:srgbClr val="000000"/>
+                </a:solidFill>
+                <a:latin typeface="verdana" panose="020B0604030504040204" pitchFamily="34" charset="0"/>
+              </a:rPr>
+              <a:t>  </a:t>
+            </a:r>
+          </a:p>
+          <a:p>
+            <a:pPr marL="0" indent="0">
+              <a:buNone/>
+            </a:pPr>
+            <a:r>
+              <a:rPr lang="en-US" dirty="0">
+                <a:solidFill>
+                  <a:srgbClr val="000000"/>
+                </a:solidFill>
+                <a:latin typeface="verdana" panose="020B0604030504040204" pitchFamily="34" charset="0"/>
+              </a:rPr>
+              <a:t> </a:t>
+            </a:r>
+            <a:r>
               <a:rPr lang="en-US" b="1" dirty="0">
                 <a:solidFill>
                   <a:srgbClr val="006699"/>
@@ -6545,7 +7053,25 @@
                 </a:solidFill>
                 <a:latin typeface="verdana" panose="020B0604030504040204" pitchFamily="34" charset="0"/>
               </a:rPr>
-              <a:t>  A </a:t>
+              <a:t>  </a:t>
+            </a:r>
+            <a:r>
+              <a:rPr lang="en-US" dirty="0" smtClean="0">
+                <a:solidFill>
+                  <a:srgbClr val="000000"/>
+                </a:solidFill>
+                <a:latin typeface="verdana" panose="020B0604030504040204" pitchFamily="34" charset="0"/>
+              </a:rPr>
+              <a:t>A</a:t>
+            </a:r>
+            <a:r>
+              <a:rPr lang="en-US" dirty="0">
+                <a:solidFill>
+                  <a:srgbClr val="000000"/>
+                </a:solidFill>
+                <a:latin typeface="verdana" panose="020B0604030504040204" pitchFamily="34" charset="0"/>
+              </a:rPr>
+              <a:t> </a:t>
             </a:r>
             <a:r>
               <a:rPr lang="en-US" dirty="0" err="1">
@@ -6581,39 +7107,48 @@
                 </a:solidFill>
                 <a:latin typeface="verdana" panose="020B0604030504040204" pitchFamily="34" charset="0"/>
               </a:rPr>
-              <a:t> A();  </a:t>
-            </a:r>
-          </a:p>
-          <a:p>
-            <a:pPr marL="0" indent="0">
-              <a:buNone/>
-            </a:pPr>
-            <a:r>
-              <a:rPr lang="en-US" dirty="0">
-                <a:solidFill>
-                  <a:srgbClr val="000000"/>
-                </a:solidFill>
-                <a:latin typeface="verdana" panose="020B0604030504040204" pitchFamily="34" charset="0"/>
-              </a:rPr>
-              <a:t>  </a:t>
-            </a:r>
-            <a:r>
-              <a:rPr lang="en-US" dirty="0" err="1">
-                <a:solidFill>
-                  <a:srgbClr val="000000"/>
-                </a:solidFill>
-                <a:latin typeface="verdana" panose="020B0604030504040204" pitchFamily="34" charset="0"/>
-              </a:rPr>
-              <a:t>A.</a:t>
-            </a:r>
-            <a:r>
-              <a:rPr lang="en-US" u="sng" dirty="0" err="1">
-                <a:solidFill>
-                  <a:srgbClr val="000000"/>
-                </a:solidFill>
-                <a:latin typeface="verdana" panose="020B0604030504040204" pitchFamily="34" charset="0"/>
-              </a:rPr>
-              <a:t>Inner</a:t>
+              <a:t> </a:t>
+            </a:r>
+            <a:r>
+              <a:rPr lang="en-US" dirty="0" smtClean="0">
+                <a:solidFill>
+                  <a:srgbClr val="000000"/>
+                </a:solidFill>
+                <a:latin typeface="verdana" panose="020B0604030504040204" pitchFamily="34" charset="0"/>
+              </a:rPr>
+              <a:t>A();</a:t>
+            </a:r>
+            <a:r>
+              <a:rPr lang="en-US" dirty="0">
+                <a:solidFill>
+                  <a:srgbClr val="000000"/>
+                </a:solidFill>
+                <a:latin typeface="verdana" panose="020B0604030504040204" pitchFamily="34" charset="0"/>
+              </a:rPr>
+              <a:t>  </a:t>
+            </a:r>
+          </a:p>
+          <a:p>
+            <a:pPr marL="0" indent="0">
+              <a:buNone/>
+            </a:pPr>
+            <a:r>
+              <a:rPr lang="en-US" dirty="0">
+                <a:solidFill>
+                  <a:srgbClr val="000000"/>
+                </a:solidFill>
+                <a:latin typeface="verdana" panose="020B0604030504040204" pitchFamily="34" charset="0"/>
+              </a:rPr>
+              <a:t> </a:t>
+            </a:r>
+            <a:r>
+              <a:rPr lang="en-US" dirty="0" smtClean="0">
+                <a:solidFill>
+                  <a:srgbClr val="000000"/>
+                </a:solidFill>
+                <a:latin typeface="verdana" panose="020B0604030504040204" pitchFamily="34" charset="0"/>
+              </a:rPr>
+              <a:t> A</a:t>
             </a:r>
             <a:r>
               <a:rPr lang="en-US" dirty="0">
@@ -7104,7 +7639,7 @@
               <a:buNone/>
             </a:pPr>
             <a:r>
-              <a:rPr lang="en-US" dirty="0"/>
+              <a:rPr lang="en-US" dirty="0" smtClean="0"/>
               <a:t>}</a:t>
             </a:r>
           </a:p>
@@ -7119,15 +7654,16 @@
               <a:buNone/>
             </a:pPr>
             <a:r>
-              <a:rPr lang="en-US" dirty="0"/>
+              <a:rPr lang="en-US" dirty="0" smtClean="0"/>
               <a:t>output</a:t>
             </a:r>
           </a:p>
           <a:p>
             <a:r>
-              <a:rPr lang="en-US" dirty="0"/>
+              <a:rPr lang="en-US" dirty="0" smtClean="0"/>
               <a:t>error</a:t>
             </a:r>
+            <a:endParaRPr lang="en-US" dirty="0"/>
           </a:p>
         </p:txBody>
       </p:sp>
@@ -7147,14 +7683,6 @@
 <file path=ppt/slides/slide7.xml><?xml version="1.0" encoding="utf-8"?>
 <p:sld xmlns:a="http://schemas.openxmlformats.org/drawingml/2006/main" xmlns:r="http://schemas.openxmlformats.org/officeDocument/2006/relationships" xmlns:p="http://schemas.openxmlformats.org/presentationml/2006/main">
   <p:cSld>
-    <p:bg>
-      <p:bgPr>
-        <a:solidFill>
-          <a:schemeClr val="accent3"/>
-        </a:solidFill>
-        <a:effectLst/>
-      </p:bgPr>
-    </p:bg>
     <p:spTree>
       <p:nvGrpSpPr>
         <p:cNvPr id="1" name=""/>
@@ -7234,36 +7762,33 @@
                 </a:solidFill>
                 <a:latin typeface="verdana" panose="020B0604030504040204" pitchFamily="34" charset="0"/>
               </a:rPr>
-              <a:t>A class that have no name is known as anonymous inner class in java. </a:t>
-            </a:r>
-            <a:r>
-              <a:rPr lang="en-US" u="sng" dirty="0">
-                <a:solidFill>
-                  <a:srgbClr val="000000"/>
-                </a:solidFill>
-                <a:latin typeface="verdana" panose="020B0604030504040204" pitchFamily="34" charset="0"/>
-              </a:rPr>
-              <a:t>It should be used if you have to override method of class or interface</a:t>
-            </a:r>
-            <a:r>
-              <a:rPr lang="en-US" dirty="0">
-                <a:solidFill>
-                  <a:srgbClr val="000000"/>
-                </a:solidFill>
-                <a:latin typeface="verdana" panose="020B0604030504040204" pitchFamily="34" charset="0"/>
-              </a:rPr>
-              <a:t>. </a:t>
-            </a:r>
-          </a:p>
-          <a:p>
-            <a:r>
-              <a:rPr lang="en-US" dirty="0">
-                <a:solidFill>
-                  <a:srgbClr val="000000"/>
-                </a:solidFill>
-                <a:latin typeface="verdana" panose="020B0604030504040204" pitchFamily="34" charset="0"/>
-              </a:rPr>
-              <a:t>Java Anonymous inner class can be created by two ways:</a:t>
+              <a:t>A class that have no name is known as anonymous inner class in java. It should be used if you have to override method of class or interface. </a:t>
+            </a:r>
+            <a:endParaRPr lang="en-US" dirty="0" smtClean="0">
+              <a:solidFill>
+                <a:srgbClr val="000000"/>
+              </a:solidFill>
+              <a:latin typeface="verdana" panose="020B0604030504040204" pitchFamily="34" charset="0"/>
+            </a:endParaRPr>
+          </a:p>
+          <a:p>
+            <a:r>
+              <a:rPr lang="en-US" dirty="0" smtClean="0">
+                <a:solidFill>
+                  <a:srgbClr val="000000"/>
+                </a:solidFill>
+                <a:latin typeface="verdana" panose="020B0604030504040204" pitchFamily="34" charset="0"/>
+              </a:rPr>
+              <a:t>Java </a:t>
+            </a:r>
+            <a:r>
+              <a:rPr lang="en-US" dirty="0">
+                <a:solidFill>
+                  <a:srgbClr val="000000"/>
+                </a:solidFill>
+                <a:latin typeface="verdana" panose="020B0604030504040204" pitchFamily="34" charset="0"/>
+              </a:rPr>
+              <a:t>Anonymous inner class can be created by two ways:</a:t>
             </a:r>
           </a:p>
           <a:p>
@@ -7287,7 +7812,7 @@
               <a:buAutoNum type="arabicPeriod"/>
             </a:pPr>
             <a:r>
-              <a:rPr lang="en-US" dirty="0">
+              <a:rPr lang="en-US" dirty="0" smtClean="0">
                 <a:solidFill>
                   <a:srgbClr val="000000"/>
                 </a:solidFill>
@@ -7444,7 +7969,25 @@
                 </a:solidFill>
                 <a:latin typeface="verdana" panose="020B0604030504040204" pitchFamily="34" charset="0"/>
               </a:rPr>
-              <a:t> A{  </a:t>
+              <a:t> </a:t>
+            </a:r>
+            <a:r>
+              <a:rPr lang="en-US" dirty="0" smtClean="0">
+                <a:solidFill>
+                  <a:srgbClr val="000000"/>
+                </a:solidFill>
+                <a:latin typeface="verdana" panose="020B0604030504040204" pitchFamily="34" charset="0"/>
+              </a:rPr>
+              <a:t>A{</a:t>
+            </a:r>
+            <a:r>
+              <a:rPr lang="en-US" dirty="0">
+                <a:solidFill>
+                  <a:srgbClr val="000000"/>
+                </a:solidFill>
+                <a:latin typeface="verdana" panose="020B0604030504040204" pitchFamily="34" charset="0"/>
+              </a:rPr>
+              <a:t>  </a:t>
             </a:r>
           </a:p>
           <a:p>
@@ -8077,11 +8620,20 @@
                 </a:solidFill>
                 <a:latin typeface="verdana" panose="020B0604030504040204" pitchFamily="34" charset="0"/>
               </a:rPr>
-              <a:t>A class i.e. created inside a method is called local inner class in java. If you want to invoke the methods of local inner class, you must instantiate this class inside the method.</a:t>
-            </a:r>
-          </a:p>
-          <a:p>
-            <a:endParaRPr lang="en-US" dirty="0">
+              <a:t>A class i.e. created inside a method is called local inner class in java. If you want to invoke the methods of local inner class, you must instantiate this class inside the method</a:t>
+            </a:r>
+            <a:r>
+              <a:rPr lang="en-US" dirty="0" smtClean="0">
+                <a:solidFill>
+                  <a:srgbClr val="000000"/>
+                </a:solidFill>
+                <a:latin typeface="verdana" panose="020B0604030504040204" pitchFamily="34" charset="0"/>
+              </a:rPr>
+              <a:t>.</a:t>
+            </a:r>
+          </a:p>
+          <a:p>
+            <a:endParaRPr lang="en-US" dirty="0" smtClean="0">
               <a:solidFill>
                 <a:srgbClr val="000000"/>
               </a:solidFill>
@@ -8111,22 +8663,117 @@
               <a:t> </a:t>
             </a:r>
             <a:r>
+              <a:rPr lang="en-US" b="1" dirty="0" smtClean="0">
+                <a:solidFill>
+                  <a:srgbClr val="006699"/>
+                </a:solidFill>
+                <a:latin typeface="verdana" panose="020B0604030504040204" pitchFamily="34" charset="0"/>
+              </a:rPr>
+              <a:t>class </a:t>
+            </a:r>
+            <a:r>
+              <a:rPr lang="en-US" dirty="0" smtClean="0">
+                <a:solidFill>
+                  <a:srgbClr val="000000"/>
+                </a:solidFill>
+                <a:latin typeface="verdana" panose="020B0604030504040204" pitchFamily="34" charset="0"/>
+              </a:rPr>
+              <a:t>A{</a:t>
+            </a:r>
+            <a:r>
+              <a:rPr lang="en-US" dirty="0">
+                <a:solidFill>
+                  <a:srgbClr val="000000"/>
+                </a:solidFill>
+                <a:latin typeface="verdana" panose="020B0604030504040204" pitchFamily="34" charset="0"/>
+              </a:rPr>
+              <a:t>  </a:t>
+            </a:r>
+          </a:p>
+          <a:p>
+            <a:pPr marL="457200" lvl="1" indent="0">
+              <a:buNone/>
+            </a:pPr>
+            <a:r>
+              <a:rPr lang="en-US" dirty="0">
+                <a:solidFill>
+                  <a:srgbClr val="000000"/>
+                </a:solidFill>
+                <a:latin typeface="verdana" panose="020B0604030504040204" pitchFamily="34" charset="0"/>
+              </a:rPr>
+              <a:t> </a:t>
+            </a:r>
+            <a:r>
               <a:rPr lang="en-US" b="1" dirty="0">
                 <a:solidFill>
                   <a:srgbClr val="006699"/>
                 </a:solidFill>
                 <a:latin typeface="verdana" panose="020B0604030504040204" pitchFamily="34" charset="0"/>
               </a:rPr>
-              <a:t>class </a:t>
-            </a:r>
-            <a:r>
-              <a:rPr lang="en-US" dirty="0">
-                <a:solidFill>
-                  <a:srgbClr val="000000"/>
-                </a:solidFill>
-                <a:latin typeface="verdana" panose="020B0604030504040204" pitchFamily="34" charset="0"/>
-              </a:rPr>
-              <a:t>A{  </a:t>
+              <a:t>private</a:t>
+            </a:r>
+            <a:r>
+              <a:rPr lang="en-US" dirty="0">
+                <a:solidFill>
+                  <a:srgbClr val="000000"/>
+                </a:solidFill>
+                <a:latin typeface="verdana" panose="020B0604030504040204" pitchFamily="34" charset="0"/>
+              </a:rPr>
+              <a:t> </a:t>
+            </a:r>
+            <a:r>
+              <a:rPr lang="en-US" b="1" dirty="0" err="1">
+                <a:solidFill>
+                  <a:srgbClr val="006699"/>
+                </a:solidFill>
+                <a:latin typeface="verdana" panose="020B0604030504040204" pitchFamily="34" charset="0"/>
+              </a:rPr>
+              <a:t>int</a:t>
+            </a:r>
+            <a:r>
+              <a:rPr lang="en-US" dirty="0">
+                <a:solidFill>
+                  <a:srgbClr val="000000"/>
+                </a:solidFill>
+                <a:latin typeface="verdana" panose="020B0604030504040204" pitchFamily="34" charset="0"/>
+              </a:rPr>
+              <a:t> data=</a:t>
+            </a:r>
+            <a:r>
+              <a:rPr lang="en-US" dirty="0">
+                <a:solidFill>
+                  <a:srgbClr val="C00000"/>
+                </a:solidFill>
+                <a:latin typeface="verdana" panose="020B0604030504040204" pitchFamily="34" charset="0"/>
+              </a:rPr>
+              <a:t>30</a:t>
+            </a:r>
+            <a:r>
+              <a:rPr lang="en-US" dirty="0">
+                <a:solidFill>
+                  <a:srgbClr val="000000"/>
+                </a:solidFill>
+                <a:latin typeface="verdana" panose="020B0604030504040204" pitchFamily="34" charset="0"/>
+              </a:rPr>
+              <a:t>;</a:t>
+            </a:r>
+            <a:r>
+              <a:rPr lang="en-US" dirty="0">
+                <a:solidFill>
+                  <a:srgbClr val="008200"/>
+                </a:solidFill>
+                <a:latin typeface="verdana" panose="020B0604030504040204" pitchFamily="34" charset="0"/>
+              </a:rPr>
+              <a:t>//instance variable</a:t>
+            </a:r>
+            <a:r>
+              <a:rPr lang="en-US" dirty="0">
+                <a:solidFill>
+                  <a:srgbClr val="000000"/>
+                </a:solidFill>
+                <a:latin typeface="verdana" panose="020B0604030504040204" pitchFamily="34" charset="0"/>
+              </a:rPr>
+              <a:t>  </a:t>
             </a:r>
           </a:p>
           <a:p>
@@ -8149,8 +8796,28 @@
                 </a:solidFill>
                 <a:latin typeface="verdana" panose="020B0604030504040204" pitchFamily="34" charset="0"/>
               </a:rPr>
-              <a:t>private</a:t>
-            </a:r>
+              <a:t>void</a:t>
+            </a:r>
+            <a:r>
+              <a:rPr lang="en-US" dirty="0">
+                <a:solidFill>
+                  <a:srgbClr val="000000"/>
+                </a:solidFill>
+                <a:latin typeface="verdana" panose="020B0604030504040204" pitchFamily="34" charset="0"/>
+              </a:rPr>
+              <a:t> display(){ </a:t>
+            </a:r>
+            <a:endParaRPr lang="en-US" dirty="0" smtClean="0">
+              <a:solidFill>
+                <a:srgbClr val="000000"/>
+              </a:solidFill>
+              <a:latin typeface="verdana" panose="020B0604030504040204" pitchFamily="34" charset="0"/>
+            </a:endParaRPr>
+          </a:p>
+          <a:p>
+            <a:pPr marL="457200" lvl="1" indent="0">
+              <a:buNone/>
+            </a:pPr>
             <a:r>
               <a:rPr lang="en-US" dirty="0">
                 <a:solidFill>
@@ -8160,51 +8827,271 @@
               </a:rPr>
               <a:t> </a:t>
             </a:r>
-            <a:r>
-              <a:rPr lang="en-US" b="1" dirty="0" err="1">
+          </a:p>
+          <a:p>
+            <a:pPr marL="457200" lvl="1" indent="0">
+              <a:buNone/>
+            </a:pPr>
+            <a:r>
+              <a:rPr lang="en-US" dirty="0">
+                <a:solidFill>
+                  <a:srgbClr val="000000"/>
+                </a:solidFill>
+                <a:latin typeface="verdana" panose="020B0604030504040204" pitchFamily="34" charset="0"/>
+              </a:rPr>
+              <a:t>  </a:t>
+            </a:r>
+            <a:r>
+              <a:rPr lang="en-US" b="1" dirty="0">
                 <a:solidFill>
                   <a:srgbClr val="006699"/>
                 </a:solidFill>
                 <a:latin typeface="verdana" panose="020B0604030504040204" pitchFamily="34" charset="0"/>
               </a:rPr>
-              <a:t>int</a:t>
-            </a:r>
-            <a:r>
-              <a:rPr lang="en-US" dirty="0">
-                <a:solidFill>
-                  <a:srgbClr val="000000"/>
-                </a:solidFill>
-                <a:latin typeface="verdana" panose="020B0604030504040204" pitchFamily="34" charset="0"/>
-              </a:rPr>
-              <a:t> data=</a:t>
-            </a:r>
-            <a:r>
-              <a:rPr lang="en-US" dirty="0">
-                <a:solidFill>
-                  <a:srgbClr val="C00000"/>
-                </a:solidFill>
-                <a:latin typeface="verdana" panose="020B0604030504040204" pitchFamily="34" charset="0"/>
-              </a:rPr>
-              <a:t>30</a:t>
-            </a:r>
-            <a:r>
-              <a:rPr lang="en-US" dirty="0">
-                <a:solidFill>
-                  <a:srgbClr val="000000"/>
-                </a:solidFill>
-                <a:latin typeface="verdana" panose="020B0604030504040204" pitchFamily="34" charset="0"/>
-              </a:rPr>
-              <a:t>;</a:t>
-            </a:r>
-            <a:r>
-              <a:rPr lang="en-US" dirty="0">
-                <a:solidFill>
-                  <a:srgbClr val="008200"/>
-                </a:solidFill>
-                <a:latin typeface="verdana" panose="020B0604030504040204" pitchFamily="34" charset="0"/>
-              </a:rPr>
-              <a:t>//instance variable</a:t>
-            </a:r>
+              <a:t>class</a:t>
+            </a:r>
+            <a:r>
+              <a:rPr lang="en-US" dirty="0">
+                <a:solidFill>
+                  <a:srgbClr val="000000"/>
+                </a:solidFill>
+                <a:latin typeface="verdana" panose="020B0604030504040204" pitchFamily="34" charset="0"/>
+              </a:rPr>
+              <a:t> Local{  </a:t>
+            </a:r>
+          </a:p>
+          <a:p>
+            <a:pPr marL="457200" lvl="1" indent="0">
+              <a:buNone/>
+            </a:pPr>
+            <a:r>
+              <a:rPr lang="en-US" dirty="0">
+                <a:solidFill>
+                  <a:srgbClr val="000000"/>
+                </a:solidFill>
+                <a:latin typeface="verdana" panose="020B0604030504040204" pitchFamily="34" charset="0"/>
+              </a:rPr>
+              <a:t>   </a:t>
+            </a:r>
+            <a:r>
+              <a:rPr lang="en-US" b="1" dirty="0">
+                <a:solidFill>
+                  <a:srgbClr val="006699"/>
+                </a:solidFill>
+                <a:latin typeface="verdana" panose="020B0604030504040204" pitchFamily="34" charset="0"/>
+              </a:rPr>
+              <a:t>void</a:t>
+            </a:r>
+            <a:r>
+              <a:rPr lang="en-US" dirty="0">
+                <a:solidFill>
+                  <a:srgbClr val="000000"/>
+                </a:solidFill>
+                <a:latin typeface="verdana" panose="020B0604030504040204" pitchFamily="34" charset="0"/>
+              </a:rPr>
+              <a:t> </a:t>
+            </a:r>
+            <a:r>
+              <a:rPr lang="en-US" dirty="0" err="1">
+                <a:solidFill>
+                  <a:srgbClr val="000000"/>
+                </a:solidFill>
+                <a:latin typeface="verdana" panose="020B0604030504040204" pitchFamily="34" charset="0"/>
+              </a:rPr>
+              <a:t>msg</a:t>
+            </a:r>
+            <a:r>
+              <a:rPr lang="en-US" dirty="0">
+                <a:solidFill>
+                  <a:srgbClr val="000000"/>
+                </a:solidFill>
+                <a:latin typeface="verdana" panose="020B0604030504040204" pitchFamily="34" charset="0"/>
+              </a:rPr>
+              <a:t>(){</a:t>
+            </a:r>
+            <a:r>
+              <a:rPr lang="en-US" dirty="0" err="1">
+                <a:solidFill>
+                  <a:srgbClr val="000000"/>
+                </a:solidFill>
+                <a:latin typeface="verdana" panose="020B0604030504040204" pitchFamily="34" charset="0"/>
+              </a:rPr>
+              <a:t>System.out.println</a:t>
+            </a:r>
+            <a:r>
+              <a:rPr lang="en-US" dirty="0">
+                <a:solidFill>
+                  <a:srgbClr val="000000"/>
+                </a:solidFill>
+                <a:latin typeface="verdana" panose="020B0604030504040204" pitchFamily="34" charset="0"/>
+              </a:rPr>
+              <a:t>(data);}  </a:t>
+            </a:r>
+          </a:p>
+          <a:p>
+            <a:pPr marL="457200" lvl="1" indent="0">
+              <a:buNone/>
+            </a:pPr>
+            <a:r>
+              <a:rPr lang="en-US" dirty="0">
+                <a:solidFill>
+                  <a:srgbClr val="000000"/>
+                </a:solidFill>
+                <a:latin typeface="verdana" panose="020B0604030504040204" pitchFamily="34" charset="0"/>
+              </a:rPr>
+              <a:t>  }  </a:t>
+            </a:r>
+          </a:p>
+          <a:p>
+            <a:pPr marL="457200" lvl="1" indent="0">
+              <a:buNone/>
+            </a:pPr>
+            <a:r>
+              <a:rPr lang="en-US" dirty="0">
+                <a:solidFill>
+                  <a:srgbClr val="000000"/>
+                </a:solidFill>
+                <a:latin typeface="verdana" panose="020B0604030504040204" pitchFamily="34" charset="0"/>
+              </a:rPr>
+              <a:t>  Local l=</a:t>
+            </a:r>
+            <a:r>
+              <a:rPr lang="en-US" b="1" dirty="0">
+                <a:solidFill>
+                  <a:srgbClr val="006699"/>
+                </a:solidFill>
+                <a:latin typeface="verdana" panose="020B0604030504040204" pitchFamily="34" charset="0"/>
+              </a:rPr>
+              <a:t>new</a:t>
+            </a:r>
+            <a:r>
+              <a:rPr lang="en-US" dirty="0">
+                <a:solidFill>
+                  <a:srgbClr val="000000"/>
+                </a:solidFill>
+                <a:latin typeface="verdana" panose="020B0604030504040204" pitchFamily="34" charset="0"/>
+              </a:rPr>
+              <a:t> Local();  </a:t>
+            </a:r>
+          </a:p>
+          <a:p>
+            <a:pPr marL="457200" lvl="1" indent="0">
+              <a:buNone/>
+            </a:pPr>
+            <a:r>
+              <a:rPr lang="en-US" dirty="0">
+                <a:solidFill>
+                  <a:srgbClr val="000000"/>
+                </a:solidFill>
+                <a:latin typeface="verdana" panose="020B0604030504040204" pitchFamily="34" charset="0"/>
+              </a:rPr>
+              <a:t>  l.msg();  </a:t>
+            </a:r>
+          </a:p>
+          <a:p>
+            <a:pPr marL="457200" lvl="1" indent="0">
+              <a:buNone/>
+            </a:pPr>
+            <a:r>
+              <a:rPr lang="en-US" dirty="0">
+                <a:solidFill>
+                  <a:srgbClr val="000000"/>
+                </a:solidFill>
+                <a:latin typeface="verdana" panose="020B0604030504040204" pitchFamily="34" charset="0"/>
+              </a:rPr>
+              <a:t> }  </a:t>
+            </a:r>
+          </a:p>
+          <a:p>
+            <a:pPr marL="457200" lvl="1" indent="0">
+              <a:buNone/>
+            </a:pPr>
+            <a:r>
+              <a:rPr lang="en-US" dirty="0">
+                <a:solidFill>
+                  <a:srgbClr val="000000"/>
+                </a:solidFill>
+                <a:latin typeface="verdana" panose="020B0604030504040204" pitchFamily="34" charset="0"/>
+              </a:rPr>
+              <a:t> </a:t>
+            </a:r>
+            <a:r>
+              <a:rPr lang="en-US" b="1" dirty="0">
+                <a:solidFill>
+                  <a:srgbClr val="006699"/>
+                </a:solidFill>
+                <a:latin typeface="verdana" panose="020B0604030504040204" pitchFamily="34" charset="0"/>
+              </a:rPr>
+              <a:t>public</a:t>
+            </a:r>
+            <a:r>
+              <a:rPr lang="en-US" dirty="0">
+                <a:solidFill>
+                  <a:srgbClr val="000000"/>
+                </a:solidFill>
+                <a:latin typeface="verdana" panose="020B0604030504040204" pitchFamily="34" charset="0"/>
+              </a:rPr>
+              <a:t> </a:t>
+            </a:r>
+            <a:r>
+              <a:rPr lang="en-US" b="1" dirty="0">
+                <a:solidFill>
+                  <a:srgbClr val="006699"/>
+                </a:solidFill>
+                <a:latin typeface="verdana" panose="020B0604030504040204" pitchFamily="34" charset="0"/>
+              </a:rPr>
+              <a:t>static</a:t>
+            </a:r>
+            <a:r>
+              <a:rPr lang="en-US" dirty="0">
+                <a:solidFill>
+                  <a:srgbClr val="000000"/>
+                </a:solidFill>
+                <a:latin typeface="verdana" panose="020B0604030504040204" pitchFamily="34" charset="0"/>
+              </a:rPr>
+              <a:t> </a:t>
+            </a:r>
+            <a:r>
+              <a:rPr lang="en-US" b="1" dirty="0">
+                <a:solidFill>
+                  <a:srgbClr val="006699"/>
+                </a:solidFill>
+                <a:latin typeface="verdana" panose="020B0604030504040204" pitchFamily="34" charset="0"/>
+              </a:rPr>
+              <a:t>void</a:t>
+            </a:r>
+            <a:r>
+              <a:rPr lang="en-US" dirty="0">
+                <a:solidFill>
+                  <a:srgbClr val="000000"/>
+                </a:solidFill>
+                <a:latin typeface="verdana" panose="020B0604030504040204" pitchFamily="34" charset="0"/>
+              </a:rPr>
+              <a:t> main(String </a:t>
+            </a:r>
+            <a:r>
+              <a:rPr lang="en-US" dirty="0" err="1">
+                <a:solidFill>
+                  <a:srgbClr val="000000"/>
+                </a:solidFill>
+                <a:latin typeface="verdana" panose="020B0604030504040204" pitchFamily="34" charset="0"/>
+              </a:rPr>
+              <a:t>args</a:t>
+            </a:r>
+            <a:r>
+              <a:rPr lang="en-US" dirty="0">
+                <a:solidFill>
+                  <a:srgbClr val="000000"/>
+                </a:solidFill>
+                <a:latin typeface="verdana" panose="020B0604030504040204" pitchFamily="34" charset="0"/>
+              </a:rPr>
+              <a:t>[]){  </a:t>
+            </a:r>
+          </a:p>
+          <a:p>
+            <a:pPr marL="457200" lvl="1" indent="0">
+              <a:buNone/>
+            </a:pPr>
             <a:r>
               <a:rPr lang="en-US" dirty="0">
                 <a:solidFill>
@@ -8214,11 +9101,15 @@
               </a:rPr>
               <a:t>  </a:t>
             </a:r>
-          </a:p>
-          <a:p>
-            <a:pPr marL="457200" lvl="1" indent="0">
-              <a:buNone/>
-            </a:pPr>
+            <a:r>
+              <a:rPr lang="en-US" dirty="0" smtClean="0">
+                <a:solidFill>
+                  <a:srgbClr val="000000"/>
+                </a:solidFill>
+                <a:latin typeface="verdana" panose="020B0604030504040204" pitchFamily="34" charset="0"/>
+              </a:rPr>
+              <a:t>A</a:t>
+            </a:r>
             <a:r>
               <a:rPr lang="en-US" dirty="0">
                 <a:solidFill>
@@ -8229,28 +9120,32 @@
               <a:t> </a:t>
             </a:r>
             <a:r>
+              <a:rPr lang="en-US" dirty="0" err="1">
+                <a:solidFill>
+                  <a:srgbClr val="000000"/>
+                </a:solidFill>
+                <a:latin typeface="verdana" panose="020B0604030504040204" pitchFamily="34" charset="0"/>
+              </a:rPr>
+              <a:t>obj</a:t>
+            </a:r>
+            <a:r>
+              <a:rPr lang="en-US" dirty="0">
+                <a:solidFill>
+                  <a:srgbClr val="000000"/>
+                </a:solidFill>
+                <a:latin typeface="verdana" panose="020B0604030504040204" pitchFamily="34" charset="0"/>
+              </a:rPr>
+              <a:t>=</a:t>
+            </a:r>
+            <a:r>
               <a:rPr lang="en-US" b="1" dirty="0">
                 <a:solidFill>
                   <a:srgbClr val="006699"/>
                 </a:solidFill>
                 <a:latin typeface="verdana" panose="020B0604030504040204" pitchFamily="34" charset="0"/>
               </a:rPr>
-              <a:t>void</a:t>
-            </a:r>
-            <a:r>
-              <a:rPr lang="en-US" dirty="0">
-                <a:solidFill>
-                  <a:srgbClr val="000000"/>
-                </a:solidFill>
-                <a:latin typeface="verdana" panose="020B0604030504040204" pitchFamily="34" charset="0"/>
-              </a:rPr>
-              <a:t> display(){ </a:t>
-            </a:r>
-          </a:p>
-          <a:p>
-            <a:pPr marL="457200" lvl="1" indent="0">
-              <a:buNone/>
-            </a:pPr>
+              <a:t>new</a:t>
+            </a:r>
             <a:r>
               <a:rPr lang="en-US" dirty="0">
                 <a:solidFill>
@@ -8260,11 +9155,15 @@
               </a:rPr>
               <a:t> </a:t>
             </a:r>
-          </a:p>
-          <a:p>
-            <a:pPr marL="457200" lvl="1" indent="0">
-              <a:buNone/>
-            </a:pPr>
+            <a:r>
+              <a:rPr lang="en-US" dirty="0" smtClean="0">
+                <a:solidFill>
+                  <a:srgbClr val="000000"/>
+                </a:solidFill>
+                <a:latin typeface="verdana" panose="020B0604030504040204" pitchFamily="34" charset="0"/>
+              </a:rPr>
+              <a:t>A ();</a:t>
+            </a:r>
             <a:r>
               <a:rPr lang="en-US" dirty="0">
                 <a:solidFill>
@@ -8273,302 +9172,6 @@
                 <a:latin typeface="verdana" panose="020B0604030504040204" pitchFamily="34" charset="0"/>
               </a:rPr>
               <a:t>  </a:t>
-            </a:r>
-            <a:r>
-              <a:rPr lang="en-US" b="1" dirty="0">
-                <a:solidFill>
-                  <a:srgbClr val="006699"/>
-                </a:solidFill>
-                <a:latin typeface="verdana" panose="020B0604030504040204" pitchFamily="34" charset="0"/>
-              </a:rPr>
-              <a:t>class</a:t>
-            </a:r>
-            <a:r>
-              <a:rPr lang="en-US" dirty="0">
-                <a:solidFill>
-                  <a:srgbClr val="000000"/>
-                </a:solidFill>
-                <a:latin typeface="verdana" panose="020B0604030504040204" pitchFamily="34" charset="0"/>
-              </a:rPr>
-              <a:t> Local{  </a:t>
-            </a:r>
-          </a:p>
-          <a:p>
-            <a:pPr marL="457200" lvl="1" indent="0">
-              <a:buNone/>
-            </a:pPr>
-            <a:r>
-              <a:rPr lang="en-US" dirty="0">
-                <a:solidFill>
-                  <a:srgbClr val="000000"/>
-                </a:solidFill>
-                <a:latin typeface="verdana" panose="020B0604030504040204" pitchFamily="34" charset="0"/>
-              </a:rPr>
-              <a:t>   </a:t>
-            </a:r>
-            <a:r>
-              <a:rPr lang="en-US" b="1" dirty="0">
-                <a:solidFill>
-                  <a:srgbClr val="006699"/>
-                </a:solidFill>
-                <a:latin typeface="verdana" panose="020B0604030504040204" pitchFamily="34" charset="0"/>
-              </a:rPr>
-              <a:t>void</a:t>
-            </a:r>
-            <a:r>
-              <a:rPr lang="en-US" dirty="0">
-                <a:solidFill>
-                  <a:srgbClr val="000000"/>
-                </a:solidFill>
-                <a:latin typeface="verdana" panose="020B0604030504040204" pitchFamily="34" charset="0"/>
-              </a:rPr>
-              <a:t> </a:t>
-            </a:r>
-            <a:r>
-              <a:rPr lang="en-US" dirty="0" err="1">
-                <a:solidFill>
-                  <a:srgbClr val="000000"/>
-                </a:solidFill>
-                <a:latin typeface="verdana" panose="020B0604030504040204" pitchFamily="34" charset="0"/>
-              </a:rPr>
-              <a:t>msg</a:t>
-            </a:r>
-            <a:r>
-              <a:rPr lang="en-US" dirty="0">
-                <a:solidFill>
-                  <a:srgbClr val="000000"/>
-                </a:solidFill>
-                <a:latin typeface="verdana" panose="020B0604030504040204" pitchFamily="34" charset="0"/>
-              </a:rPr>
-              <a:t>(){</a:t>
-            </a:r>
-            <a:r>
-              <a:rPr lang="en-US" dirty="0" err="1">
-                <a:solidFill>
-                  <a:srgbClr val="000000"/>
-                </a:solidFill>
-                <a:latin typeface="verdana" panose="020B0604030504040204" pitchFamily="34" charset="0"/>
-              </a:rPr>
-              <a:t>System.out.println</a:t>
-            </a:r>
-            <a:r>
-              <a:rPr lang="en-US" dirty="0">
-                <a:solidFill>
-                  <a:srgbClr val="000000"/>
-                </a:solidFill>
-                <a:latin typeface="verdana" panose="020B0604030504040204" pitchFamily="34" charset="0"/>
-              </a:rPr>
-              <a:t>(data);}  </a:t>
-            </a:r>
-          </a:p>
-          <a:p>
-            <a:pPr marL="457200" lvl="1" indent="0">
-              <a:buNone/>
-            </a:pPr>
-            <a:r>
-              <a:rPr lang="en-US" dirty="0">
-                <a:solidFill>
-                  <a:srgbClr val="000000"/>
-                </a:solidFill>
-                <a:latin typeface="verdana" panose="020B0604030504040204" pitchFamily="34" charset="0"/>
-              </a:rPr>
-              <a:t>  }  </a:t>
-            </a:r>
-          </a:p>
-          <a:p>
-            <a:pPr marL="457200" lvl="1" indent="0">
-              <a:buNone/>
-            </a:pPr>
-            <a:r>
-              <a:rPr lang="en-US" dirty="0">
-                <a:solidFill>
-                  <a:srgbClr val="000000"/>
-                </a:solidFill>
-                <a:latin typeface="verdana" panose="020B0604030504040204" pitchFamily="34" charset="0"/>
-              </a:rPr>
-              <a:t>  Local l=</a:t>
-            </a:r>
-            <a:r>
-              <a:rPr lang="en-US" b="1" dirty="0">
-                <a:solidFill>
-                  <a:srgbClr val="006699"/>
-                </a:solidFill>
-                <a:latin typeface="verdana" panose="020B0604030504040204" pitchFamily="34" charset="0"/>
-              </a:rPr>
-              <a:t>new</a:t>
-            </a:r>
-            <a:r>
-              <a:rPr lang="en-US" dirty="0">
-                <a:solidFill>
-                  <a:srgbClr val="000000"/>
-                </a:solidFill>
-                <a:latin typeface="verdana" panose="020B0604030504040204" pitchFamily="34" charset="0"/>
-              </a:rPr>
-              <a:t> Local();  </a:t>
-            </a:r>
-          </a:p>
-          <a:p>
-            <a:pPr marL="457200" lvl="1" indent="0">
-              <a:buNone/>
-            </a:pPr>
-            <a:r>
-              <a:rPr lang="en-US" dirty="0">
-                <a:solidFill>
-                  <a:srgbClr val="000000"/>
-                </a:solidFill>
-                <a:latin typeface="verdana" panose="020B0604030504040204" pitchFamily="34" charset="0"/>
-              </a:rPr>
-              <a:t>  l.msg();  </a:t>
-            </a:r>
-          </a:p>
-          <a:p>
-            <a:pPr marL="457200" lvl="1" indent="0">
-              <a:buNone/>
-            </a:pPr>
-            <a:r>
-              <a:rPr lang="en-US" dirty="0">
-                <a:solidFill>
-                  <a:srgbClr val="000000"/>
-                </a:solidFill>
-                <a:latin typeface="verdana" panose="020B0604030504040204" pitchFamily="34" charset="0"/>
-              </a:rPr>
-              <a:t> }  </a:t>
-            </a:r>
-          </a:p>
-          <a:p>
-            <a:pPr marL="457200" lvl="1" indent="0">
-              <a:buNone/>
-            </a:pPr>
-            <a:r>
-              <a:rPr lang="en-US" dirty="0">
-                <a:solidFill>
-                  <a:srgbClr val="000000"/>
-                </a:solidFill>
-                <a:latin typeface="verdana" panose="020B0604030504040204" pitchFamily="34" charset="0"/>
-              </a:rPr>
-              <a:t> </a:t>
-            </a:r>
-            <a:r>
-              <a:rPr lang="en-US" b="1" dirty="0">
-                <a:solidFill>
-                  <a:srgbClr val="006699"/>
-                </a:solidFill>
-                <a:latin typeface="verdana" panose="020B0604030504040204" pitchFamily="34" charset="0"/>
-              </a:rPr>
-              <a:t>public</a:t>
-            </a:r>
-            <a:r>
-              <a:rPr lang="en-US" dirty="0">
-                <a:solidFill>
-                  <a:srgbClr val="000000"/>
-                </a:solidFill>
-                <a:latin typeface="verdana" panose="020B0604030504040204" pitchFamily="34" charset="0"/>
-              </a:rPr>
-              <a:t> </a:t>
-            </a:r>
-            <a:r>
-              <a:rPr lang="en-US" b="1" dirty="0">
-                <a:solidFill>
-                  <a:srgbClr val="006699"/>
-                </a:solidFill>
-                <a:latin typeface="verdana" panose="020B0604030504040204" pitchFamily="34" charset="0"/>
-              </a:rPr>
-              <a:t>static</a:t>
-            </a:r>
-            <a:r>
-              <a:rPr lang="en-US" dirty="0">
-                <a:solidFill>
-                  <a:srgbClr val="000000"/>
-                </a:solidFill>
-                <a:latin typeface="verdana" panose="020B0604030504040204" pitchFamily="34" charset="0"/>
-              </a:rPr>
-              <a:t> </a:t>
-            </a:r>
-            <a:r>
-              <a:rPr lang="en-US" b="1" dirty="0">
-                <a:solidFill>
-                  <a:srgbClr val="006699"/>
-                </a:solidFill>
-                <a:latin typeface="verdana" panose="020B0604030504040204" pitchFamily="34" charset="0"/>
-              </a:rPr>
-              <a:t>void</a:t>
-            </a:r>
-            <a:r>
-              <a:rPr lang="en-US" dirty="0">
-                <a:solidFill>
-                  <a:srgbClr val="000000"/>
-                </a:solidFill>
-                <a:latin typeface="verdana" panose="020B0604030504040204" pitchFamily="34" charset="0"/>
-              </a:rPr>
-              <a:t> main(String </a:t>
-            </a:r>
-            <a:r>
-              <a:rPr lang="en-US" dirty="0" err="1">
-                <a:solidFill>
-                  <a:srgbClr val="000000"/>
-                </a:solidFill>
-                <a:latin typeface="verdana" panose="020B0604030504040204" pitchFamily="34" charset="0"/>
-              </a:rPr>
-              <a:t>args</a:t>
-            </a:r>
-            <a:r>
-              <a:rPr lang="en-US" dirty="0">
-                <a:solidFill>
-                  <a:srgbClr val="000000"/>
-                </a:solidFill>
-                <a:latin typeface="verdana" panose="020B0604030504040204" pitchFamily="34" charset="0"/>
-              </a:rPr>
-              <a:t>[]){  </a:t>
-            </a:r>
-          </a:p>
-          <a:p>
-            <a:pPr marL="457200" lvl="1" indent="0">
-              <a:buNone/>
-            </a:pPr>
-            <a:r>
-              <a:rPr lang="en-US" dirty="0">
-                <a:solidFill>
-                  <a:srgbClr val="000000"/>
-                </a:solidFill>
-                <a:latin typeface="verdana" panose="020B0604030504040204" pitchFamily="34" charset="0"/>
-              </a:rPr>
-              <a:t>  A </a:t>
-            </a:r>
-            <a:r>
-              <a:rPr lang="en-US" dirty="0" err="1">
-                <a:solidFill>
-                  <a:srgbClr val="000000"/>
-                </a:solidFill>
-                <a:latin typeface="verdana" panose="020B0604030504040204" pitchFamily="34" charset="0"/>
-              </a:rPr>
-              <a:t>obj</a:t>
-            </a:r>
-            <a:r>
-              <a:rPr lang="en-US" dirty="0">
-                <a:solidFill>
-                  <a:srgbClr val="000000"/>
-                </a:solidFill>
-                <a:latin typeface="verdana" panose="020B0604030504040204" pitchFamily="34" charset="0"/>
-              </a:rPr>
-              <a:t>=</a:t>
-            </a:r>
-            <a:r>
-              <a:rPr lang="en-US" b="1" dirty="0">
-                <a:solidFill>
-                  <a:srgbClr val="006699"/>
-                </a:solidFill>
-                <a:latin typeface="verdana" panose="020B0604030504040204" pitchFamily="34" charset="0"/>
-              </a:rPr>
-              <a:t>new</a:t>
-            </a:r>
-            <a:r>
-              <a:rPr lang="en-US" dirty="0">
-                <a:solidFill>
-                  <a:srgbClr val="000000"/>
-                </a:solidFill>
-                <a:latin typeface="verdana" panose="020B0604030504040204" pitchFamily="34" charset="0"/>
-              </a:rPr>
-              <a:t> A ();  </a:t>
             </a:r>
           </a:p>
           <a:p>
